--- a/docs_tbd/images/Cribl_AWS.pptx
+++ b/docs_tbd/images/Cribl_AWS.pptx
@@ -5,31 +5,32 @@
     <p:sldMasterId id="2147483665" r:id="rId1"/>
   </p:sldMasterIdLst>
   <p:notesMasterIdLst>
-    <p:notesMasterId r:id="rId7"/>
+    <p:notesMasterId r:id="rId8"/>
   </p:notesMasterIdLst>
   <p:sldIdLst>
     <p:sldId id="256" r:id="rId2"/>
     <p:sldId id="275" r:id="rId3"/>
-    <p:sldId id="277" r:id="rId4"/>
-    <p:sldId id="276" r:id="rId5"/>
-    <p:sldId id="274" r:id="rId6"/>
+    <p:sldId id="278" r:id="rId4"/>
+    <p:sldId id="277" r:id="rId5"/>
+    <p:sldId id="276" r:id="rId6"/>
+    <p:sldId id="274" r:id="rId7"/>
   </p:sldIdLst>
   <p:sldSz cx="12192000" cy="6858000"/>
   <p:notesSz cx="6858000" cy="9144000"/>
   <p:embeddedFontLst>
     <p:embeddedFont>
       <p:font typeface="Calibri" panose="020F0502020204030204" pitchFamily="34" charset="0"/>
-      <p:regular r:id="rId8"/>
-      <p:bold r:id="rId9"/>
-      <p:italic r:id="rId10"/>
-      <p:boldItalic r:id="rId11"/>
+      <p:regular r:id="rId9"/>
+      <p:bold r:id="rId10"/>
+      <p:italic r:id="rId11"/>
+      <p:boldItalic r:id="rId12"/>
     </p:embeddedFont>
     <p:embeddedFont>
       <p:font typeface="Source Sans Pro" panose="020B0503030403020204" pitchFamily="34" charset="0"/>
-      <p:regular r:id="rId12"/>
-      <p:bold r:id="rId13"/>
-      <p:italic r:id="rId14"/>
-      <p:boldItalic r:id="rId15"/>
+      <p:regular r:id="rId13"/>
+      <p:bold r:id="rId14"/>
+      <p:italic r:id="rId15"/>
+      <p:boldItalic r:id="rId16"/>
     </p:embeddedFont>
   </p:embeddedFontLst>
   <p:defaultTextStyle>
@@ -1759,7 +1760,7 @@
             </a:pPr>
             <a:fld id="{00000000-1234-1234-1234-123412341234}" type="slidenum">
               <a:rPr lang="en-US"/>
-              <a:t>5</a:t>
+              <a:t>6</a:t>
             </a:fld>
             <a:endParaRPr/>
           </a:p>
@@ -9341,6 +9342,78 @@
       </p:grpSpPr>
       <p:sp>
         <p:nvSpPr>
+          <p:cNvPr id="123" name="Rectangle 122">
+            <a:extLst>
+              <a:ext uri="{FF2B5EF4-FFF2-40B4-BE49-F238E27FC236}">
+                <a16:creationId xmlns:a16="http://schemas.microsoft.com/office/drawing/2014/main" id="{EC270C72-3D6E-954C-BFF2-6C498F610FCF}"/>
+              </a:ext>
+            </a:extLst>
+          </p:cNvPr>
+          <p:cNvSpPr/>
+          <p:nvPr/>
+        </p:nvSpPr>
+        <p:spPr>
+          <a:xfrm>
+            <a:off x="2471341" y="1342186"/>
+            <a:ext cx="7248681" cy="1749497"/>
+          </a:xfrm>
+          <a:prstGeom prst="rect">
+            <a:avLst/>
+          </a:prstGeom>
+          <a:solidFill>
+            <a:srgbClr val="1D8900">
+              <a:alpha val="9804"/>
+            </a:srgbClr>
+          </a:solidFill>
+          <a:ln w="12700">
+            <a:noFill/>
+            <a:prstDash val="dash"/>
+          </a:ln>
+        </p:spPr>
+        <p:style>
+          <a:lnRef idx="2">
+            <a:schemeClr val="accent1">
+              <a:shade val="50000"/>
+            </a:schemeClr>
+          </a:lnRef>
+          <a:fillRef idx="1">
+            <a:schemeClr val="accent1"/>
+          </a:fillRef>
+          <a:effectRef idx="0">
+            <a:schemeClr val="accent1"/>
+          </a:effectRef>
+          <a:fontRef idx="minor">
+            <a:schemeClr val="lt1"/>
+          </a:fontRef>
+        </p:style>
+        <p:txBody>
+          <a:bodyPr lIns="502920"/>
+          <a:lstStyle/>
+          <a:p>
+            <a:pPr eaLnBrk="1" fontAlgn="auto" hangingPunct="1">
+              <a:spcBef>
+                <a:spcPts val="0"/>
+              </a:spcBef>
+              <a:spcAft>
+                <a:spcPts val="0"/>
+              </a:spcAft>
+              <a:defRPr/>
+            </a:pPr>
+            <a:r>
+              <a:rPr lang="en-US" sz="1200" dirty="0">
+                <a:solidFill>
+                  <a:srgbClr val="1E8900"/>
+                </a:solidFill>
+                <a:latin typeface="Arial" panose="020B0604020202020204" pitchFamily="34" charset="0"/>
+                <a:cs typeface="Arial" panose="020B0604020202020204" pitchFamily="34" charset="0"/>
+              </a:rPr>
+              <a:t>Public subnet</a:t>
+            </a:r>
+          </a:p>
+        </p:txBody>
+      </p:sp>
+      <p:sp>
+        <p:nvSpPr>
           <p:cNvPr id="2" name="Title 1">
             <a:extLst>
               <a:ext uri="{FF2B5EF4-FFF2-40B4-BE49-F238E27FC236}">
@@ -10225,7 +10298,7 @@
         </p:blipFill>
         <p:spPr>
           <a:xfrm>
-            <a:off x="540154" y="788779"/>
+            <a:off x="532405" y="788779"/>
             <a:ext cx="381000" cy="381000"/>
           </a:xfrm>
           <a:prstGeom prst="rect">
@@ -10261,7 +10334,7 @@
         </p:blipFill>
         <p:spPr>
           <a:xfrm>
-            <a:off x="923153" y="1155123"/>
+            <a:off x="915404" y="1155123"/>
             <a:ext cx="381000" cy="381000"/>
           </a:xfrm>
           <a:prstGeom prst="rect">
@@ -12805,78 +12878,6 @@
           </a:prstGeom>
         </p:spPr>
       </p:pic>
-      <p:sp>
-        <p:nvSpPr>
-          <p:cNvPr id="123" name="Rectangle 122">
-            <a:extLst>
-              <a:ext uri="{FF2B5EF4-FFF2-40B4-BE49-F238E27FC236}">
-                <a16:creationId xmlns:a16="http://schemas.microsoft.com/office/drawing/2014/main" id="{EC270C72-3D6E-954C-BFF2-6C498F610FCF}"/>
-              </a:ext>
-            </a:extLst>
-          </p:cNvPr>
-          <p:cNvSpPr/>
-          <p:nvPr/>
-        </p:nvSpPr>
-        <p:spPr>
-          <a:xfrm>
-            <a:off x="2471341" y="1342186"/>
-            <a:ext cx="7248681" cy="1749497"/>
-          </a:xfrm>
-          <a:prstGeom prst="rect">
-            <a:avLst/>
-          </a:prstGeom>
-          <a:solidFill>
-            <a:srgbClr val="1D8900">
-              <a:alpha val="9804"/>
-            </a:srgbClr>
-          </a:solidFill>
-          <a:ln w="12700">
-            <a:noFill/>
-            <a:prstDash val="dash"/>
-          </a:ln>
-        </p:spPr>
-        <p:style>
-          <a:lnRef idx="2">
-            <a:schemeClr val="accent1">
-              <a:shade val="50000"/>
-            </a:schemeClr>
-          </a:lnRef>
-          <a:fillRef idx="1">
-            <a:schemeClr val="accent1"/>
-          </a:fillRef>
-          <a:effectRef idx="0">
-            <a:schemeClr val="accent1"/>
-          </a:effectRef>
-          <a:fontRef idx="minor">
-            <a:schemeClr val="lt1"/>
-          </a:fontRef>
-        </p:style>
-        <p:txBody>
-          <a:bodyPr lIns="502920"/>
-          <a:lstStyle/>
-          <a:p>
-            <a:pPr eaLnBrk="1" fontAlgn="auto" hangingPunct="1">
-              <a:spcBef>
-                <a:spcPts val="0"/>
-              </a:spcBef>
-              <a:spcAft>
-                <a:spcPts val="0"/>
-              </a:spcAft>
-              <a:defRPr/>
-            </a:pPr>
-            <a:r>
-              <a:rPr lang="en-US" sz="1200" dirty="0">
-                <a:solidFill>
-                  <a:srgbClr val="1E8900"/>
-                </a:solidFill>
-                <a:latin typeface="Arial" panose="020B0604020202020204" pitchFamily="34" charset="0"/>
-                <a:cs typeface="Arial" panose="020B0604020202020204" pitchFamily="34" charset="0"/>
-              </a:rPr>
-              <a:t>Public subnet</a:t>
-            </a:r>
-          </a:p>
-        </p:txBody>
-      </p:sp>
       <p:pic>
         <p:nvPicPr>
           <p:cNvPr id="124" name="Graphic 123">
@@ -13050,6 +13051,3700 @@
       </p:grpSpPr>
       <p:sp>
         <p:nvSpPr>
+          <p:cNvPr id="125" name="Rectangle 124">
+            <a:extLst>
+              <a:ext uri="{FF2B5EF4-FFF2-40B4-BE49-F238E27FC236}">
+                <a16:creationId xmlns:a16="http://schemas.microsoft.com/office/drawing/2014/main" id="{F89BF95F-B6CF-A940-969A-EAFF0B199B00}"/>
+              </a:ext>
+            </a:extLst>
+          </p:cNvPr>
+          <p:cNvSpPr/>
+          <p:nvPr/>
+        </p:nvSpPr>
+        <p:spPr>
+          <a:xfrm>
+            <a:off x="2471342" y="3847017"/>
+            <a:ext cx="7238844" cy="1035748"/>
+          </a:xfrm>
+          <a:prstGeom prst="rect">
+            <a:avLst/>
+          </a:prstGeom>
+          <a:solidFill>
+            <a:srgbClr val="1D8900">
+              <a:alpha val="9804"/>
+            </a:srgbClr>
+          </a:solidFill>
+          <a:ln w="12700">
+            <a:noFill/>
+            <a:prstDash val="dash"/>
+          </a:ln>
+        </p:spPr>
+        <p:style>
+          <a:lnRef idx="2">
+            <a:schemeClr val="accent1">
+              <a:shade val="50000"/>
+            </a:schemeClr>
+          </a:lnRef>
+          <a:fillRef idx="1">
+            <a:schemeClr val="accent1"/>
+          </a:fillRef>
+          <a:effectRef idx="0">
+            <a:schemeClr val="accent1"/>
+          </a:effectRef>
+          <a:fontRef idx="minor">
+            <a:schemeClr val="lt1"/>
+          </a:fontRef>
+        </p:style>
+        <p:txBody>
+          <a:bodyPr lIns="502920"/>
+          <a:lstStyle/>
+          <a:p>
+            <a:pPr eaLnBrk="1" fontAlgn="auto" hangingPunct="1">
+              <a:spcBef>
+                <a:spcPts val="0"/>
+              </a:spcBef>
+              <a:spcAft>
+                <a:spcPts val="0"/>
+              </a:spcAft>
+              <a:defRPr/>
+            </a:pPr>
+            <a:endParaRPr lang="en-US" sz="1200" dirty="0">
+              <a:solidFill>
+                <a:srgbClr val="1E8900"/>
+              </a:solidFill>
+              <a:latin typeface="Arial" panose="020B0604020202020204" pitchFamily="34" charset="0"/>
+              <a:cs typeface="Arial" panose="020B0604020202020204" pitchFamily="34" charset="0"/>
+            </a:endParaRPr>
+          </a:p>
+        </p:txBody>
+      </p:sp>
+      <p:sp>
+        <p:nvSpPr>
+          <p:cNvPr id="123" name="Rectangle 122">
+            <a:extLst>
+              <a:ext uri="{FF2B5EF4-FFF2-40B4-BE49-F238E27FC236}">
+                <a16:creationId xmlns:a16="http://schemas.microsoft.com/office/drawing/2014/main" id="{EC270C72-3D6E-954C-BFF2-6C498F610FCF}"/>
+              </a:ext>
+            </a:extLst>
+          </p:cNvPr>
+          <p:cNvSpPr/>
+          <p:nvPr/>
+        </p:nvSpPr>
+        <p:spPr>
+          <a:xfrm>
+            <a:off x="2471341" y="1342186"/>
+            <a:ext cx="7248681" cy="1749497"/>
+          </a:xfrm>
+          <a:prstGeom prst="rect">
+            <a:avLst/>
+          </a:prstGeom>
+          <a:solidFill>
+            <a:srgbClr val="1D8900">
+              <a:alpha val="9804"/>
+            </a:srgbClr>
+          </a:solidFill>
+          <a:ln w="12700">
+            <a:noFill/>
+            <a:prstDash val="dash"/>
+          </a:ln>
+        </p:spPr>
+        <p:style>
+          <a:lnRef idx="2">
+            <a:schemeClr val="accent1">
+              <a:shade val="50000"/>
+            </a:schemeClr>
+          </a:lnRef>
+          <a:fillRef idx="1">
+            <a:schemeClr val="accent1"/>
+          </a:fillRef>
+          <a:effectRef idx="0">
+            <a:schemeClr val="accent1"/>
+          </a:effectRef>
+          <a:fontRef idx="minor">
+            <a:schemeClr val="lt1"/>
+          </a:fontRef>
+        </p:style>
+        <p:txBody>
+          <a:bodyPr lIns="502920"/>
+          <a:lstStyle/>
+          <a:p>
+            <a:pPr eaLnBrk="1" fontAlgn="auto" hangingPunct="1">
+              <a:spcBef>
+                <a:spcPts val="0"/>
+              </a:spcBef>
+              <a:spcAft>
+                <a:spcPts val="0"/>
+              </a:spcAft>
+              <a:defRPr/>
+            </a:pPr>
+            <a:r>
+              <a:rPr lang="en-US" sz="1200" dirty="0">
+                <a:solidFill>
+                  <a:srgbClr val="1E8900"/>
+                </a:solidFill>
+                <a:latin typeface="Arial" panose="020B0604020202020204" pitchFamily="34" charset="0"/>
+                <a:cs typeface="Arial" panose="020B0604020202020204" pitchFamily="34" charset="0"/>
+              </a:rPr>
+              <a:t>Public subnet</a:t>
+            </a:r>
+          </a:p>
+        </p:txBody>
+      </p:sp>
+      <p:sp>
+        <p:nvSpPr>
+          <p:cNvPr id="2" name="Title 1">
+            <a:extLst>
+              <a:ext uri="{FF2B5EF4-FFF2-40B4-BE49-F238E27FC236}">
+                <a16:creationId xmlns:a16="http://schemas.microsoft.com/office/drawing/2014/main" id="{70E1DAAE-910D-AD46-84A2-CD668D0DBC19}"/>
+              </a:ext>
+            </a:extLst>
+          </p:cNvPr>
+          <p:cNvSpPr>
+            <a:spLocks noGrp="1"/>
+          </p:cNvSpPr>
+          <p:nvPr>
+            <p:ph type="title"/>
+          </p:nvPr>
+        </p:nvSpPr>
+        <p:spPr/>
+        <p:txBody>
+          <a:bodyPr/>
+          <a:lstStyle/>
+          <a:p>
+            <a:r>
+              <a:rPr lang="en-US" dirty="0"/>
+              <a:t>Cribl LogStream Distributed Deployment (ECS)</a:t>
+            </a:r>
+          </a:p>
+        </p:txBody>
+      </p:sp>
+      <p:sp>
+        <p:nvSpPr>
+          <p:cNvPr id="54" name="Rectangle 53">
+            <a:extLst>
+              <a:ext uri="{FF2B5EF4-FFF2-40B4-BE49-F238E27FC236}">
+                <a16:creationId xmlns:a16="http://schemas.microsoft.com/office/drawing/2014/main" id="{FEBD3A11-0A53-5548-B23D-F0302A800AC4}"/>
+              </a:ext>
+            </a:extLst>
+          </p:cNvPr>
+          <p:cNvSpPr/>
+          <p:nvPr/>
+        </p:nvSpPr>
+        <p:spPr bwMode="auto">
+          <a:xfrm>
+            <a:off x="909431" y="1159727"/>
+            <a:ext cx="10371550" cy="5012306"/>
+          </a:xfrm>
+          <a:prstGeom prst="rect">
+            <a:avLst/>
+          </a:prstGeom>
+          <a:noFill/>
+          <a:ln w="12700">
+            <a:solidFill>
+              <a:srgbClr val="1E8900"/>
+            </a:solidFill>
+          </a:ln>
+        </p:spPr>
+        <p:style>
+          <a:lnRef idx="2">
+            <a:schemeClr val="accent1">
+              <a:shade val="50000"/>
+            </a:schemeClr>
+          </a:lnRef>
+          <a:fillRef idx="1">
+            <a:schemeClr val="accent1"/>
+          </a:fillRef>
+          <a:effectRef idx="0">
+            <a:schemeClr val="accent1"/>
+          </a:effectRef>
+          <a:fontRef idx="minor">
+            <a:schemeClr val="lt1"/>
+          </a:fontRef>
+        </p:style>
+        <p:txBody>
+          <a:bodyPr lIns="502920" tIns="91440"/>
+          <a:lstStyle/>
+          <a:p>
+            <a:pPr eaLnBrk="1" fontAlgn="auto" hangingPunct="1">
+              <a:spcBef>
+                <a:spcPts val="0"/>
+              </a:spcBef>
+              <a:spcAft>
+                <a:spcPts val="0"/>
+              </a:spcAft>
+              <a:defRPr/>
+            </a:pPr>
+            <a:r>
+              <a:rPr lang="en-US" sz="1200" dirty="0">
+                <a:ln w="0"/>
+                <a:solidFill>
+                  <a:srgbClr val="1E8900"/>
+                </a:solidFill>
+                <a:latin typeface="Arial" panose="020B0604020202020204" pitchFamily="34" charset="0"/>
+                <a:cs typeface="Arial" panose="020B0604020202020204" pitchFamily="34" charset="0"/>
+              </a:rPr>
+              <a:t>VPC</a:t>
+            </a:r>
+          </a:p>
+        </p:txBody>
+      </p:sp>
+      <p:sp>
+        <p:nvSpPr>
+          <p:cNvPr id="61" name="Rectangle 60">
+            <a:extLst>
+              <a:ext uri="{FF2B5EF4-FFF2-40B4-BE49-F238E27FC236}">
+                <a16:creationId xmlns:a16="http://schemas.microsoft.com/office/drawing/2014/main" id="{D8E5D898-20D0-8C46-8766-E15840912D76}"/>
+              </a:ext>
+            </a:extLst>
+          </p:cNvPr>
+          <p:cNvSpPr/>
+          <p:nvPr/>
+        </p:nvSpPr>
+        <p:spPr bwMode="auto">
+          <a:xfrm>
+            <a:off x="528431" y="785446"/>
+            <a:ext cx="11135138" cy="5436449"/>
+          </a:xfrm>
+          <a:prstGeom prst="rect">
+            <a:avLst/>
+          </a:prstGeom>
+          <a:noFill/>
+          <a:ln w="12700">
+            <a:solidFill>
+              <a:schemeClr val="tx1"/>
+            </a:solidFill>
+          </a:ln>
+        </p:spPr>
+        <p:style>
+          <a:lnRef idx="2">
+            <a:schemeClr val="accent1">
+              <a:shade val="50000"/>
+            </a:schemeClr>
+          </a:lnRef>
+          <a:fillRef idx="1">
+            <a:schemeClr val="accent1"/>
+          </a:fillRef>
+          <a:effectRef idx="0">
+            <a:schemeClr val="accent1"/>
+          </a:effectRef>
+          <a:fontRef idx="minor">
+            <a:schemeClr val="lt1"/>
+          </a:fontRef>
+        </p:style>
+        <p:txBody>
+          <a:bodyPr lIns="502920" tIns="91440"/>
+          <a:lstStyle/>
+          <a:p>
+            <a:pPr eaLnBrk="1" fontAlgn="auto" hangingPunct="1">
+              <a:spcBef>
+                <a:spcPts val="0"/>
+              </a:spcBef>
+              <a:spcAft>
+                <a:spcPts val="0"/>
+              </a:spcAft>
+              <a:defRPr/>
+            </a:pPr>
+            <a:r>
+              <a:rPr lang="en-US" sz="1200" dirty="0">
+                <a:solidFill>
+                  <a:sysClr val="windowText" lastClr="000000"/>
+                </a:solidFill>
+                <a:latin typeface="Arial" panose="020B0604020202020204" pitchFamily="34" charset="0"/>
+                <a:cs typeface="Arial" panose="020B0604020202020204" pitchFamily="34" charset="0"/>
+              </a:rPr>
+              <a:t>AWS Cloud</a:t>
+            </a:r>
+          </a:p>
+        </p:txBody>
+      </p:sp>
+      <p:sp>
+        <p:nvSpPr>
+          <p:cNvPr id="67" name="Rectangle 66">
+            <a:extLst>
+              <a:ext uri="{FF2B5EF4-FFF2-40B4-BE49-F238E27FC236}">
+                <a16:creationId xmlns:a16="http://schemas.microsoft.com/office/drawing/2014/main" id="{4746DD2E-1599-F849-8085-AC801BEA8C52}"/>
+              </a:ext>
+            </a:extLst>
+          </p:cNvPr>
+          <p:cNvSpPr/>
+          <p:nvPr/>
+        </p:nvSpPr>
+        <p:spPr bwMode="auto">
+          <a:xfrm>
+            <a:off x="2950126" y="1559003"/>
+            <a:ext cx="2095500" cy="3301480"/>
+          </a:xfrm>
+          <a:prstGeom prst="rect">
+            <a:avLst/>
+          </a:prstGeom>
+          <a:noFill/>
+          <a:ln w="12700">
+            <a:solidFill>
+              <a:srgbClr val="5B9CD5"/>
+            </a:solidFill>
+            <a:prstDash val="dash"/>
+          </a:ln>
+        </p:spPr>
+        <p:style>
+          <a:lnRef idx="2">
+            <a:schemeClr val="accent1">
+              <a:shade val="50000"/>
+            </a:schemeClr>
+          </a:lnRef>
+          <a:fillRef idx="1">
+            <a:schemeClr val="accent1"/>
+          </a:fillRef>
+          <a:effectRef idx="0">
+            <a:schemeClr val="accent1"/>
+          </a:effectRef>
+          <a:fontRef idx="minor">
+            <a:schemeClr val="lt1"/>
+          </a:fontRef>
+        </p:style>
+        <p:txBody>
+          <a:bodyPr tIns="91440"/>
+          <a:lstStyle/>
+          <a:p>
+            <a:pPr algn="ctr" eaLnBrk="1" fontAlgn="auto" hangingPunct="1">
+              <a:spcBef>
+                <a:spcPts val="0"/>
+              </a:spcBef>
+              <a:spcAft>
+                <a:spcPts val="0"/>
+              </a:spcAft>
+              <a:defRPr/>
+            </a:pPr>
+            <a:r>
+              <a:rPr lang="en-US" sz="1200" dirty="0">
+                <a:solidFill>
+                  <a:srgbClr val="5B9CD5"/>
+                </a:solidFill>
+                <a:latin typeface="Arial" panose="020B0604020202020204" pitchFamily="34" charset="0"/>
+                <a:cs typeface="Arial" panose="020B0604020202020204" pitchFamily="34" charset="0"/>
+              </a:rPr>
+              <a:t>Availability Zone 1</a:t>
+            </a:r>
+          </a:p>
+        </p:txBody>
+      </p:sp>
+      <p:sp>
+        <p:nvSpPr>
+          <p:cNvPr id="68" name="Rectangle 67">
+            <a:extLst>
+              <a:ext uri="{FF2B5EF4-FFF2-40B4-BE49-F238E27FC236}">
+                <a16:creationId xmlns:a16="http://schemas.microsoft.com/office/drawing/2014/main" id="{883AED54-4697-AB46-A7AC-32D5E0BD1607}"/>
+              </a:ext>
+            </a:extLst>
+          </p:cNvPr>
+          <p:cNvSpPr/>
+          <p:nvPr/>
+        </p:nvSpPr>
+        <p:spPr bwMode="auto">
+          <a:xfrm>
+            <a:off x="7152238" y="1559003"/>
+            <a:ext cx="2095500" cy="3301480"/>
+          </a:xfrm>
+          <a:prstGeom prst="rect">
+            <a:avLst/>
+          </a:prstGeom>
+          <a:noFill/>
+          <a:ln w="12700">
+            <a:solidFill>
+              <a:srgbClr val="5B9CD5"/>
+            </a:solidFill>
+            <a:prstDash val="dash"/>
+          </a:ln>
+        </p:spPr>
+        <p:style>
+          <a:lnRef idx="2">
+            <a:schemeClr val="accent1">
+              <a:shade val="50000"/>
+            </a:schemeClr>
+          </a:lnRef>
+          <a:fillRef idx="1">
+            <a:schemeClr val="accent1"/>
+          </a:fillRef>
+          <a:effectRef idx="0">
+            <a:schemeClr val="accent1"/>
+          </a:effectRef>
+          <a:fontRef idx="minor">
+            <a:schemeClr val="lt1"/>
+          </a:fontRef>
+        </p:style>
+        <p:txBody>
+          <a:bodyPr tIns="91440"/>
+          <a:lstStyle/>
+          <a:p>
+            <a:pPr algn="ctr" eaLnBrk="1" fontAlgn="auto" hangingPunct="1">
+              <a:spcBef>
+                <a:spcPts val="0"/>
+              </a:spcBef>
+              <a:spcAft>
+                <a:spcPts val="0"/>
+              </a:spcAft>
+              <a:defRPr/>
+            </a:pPr>
+            <a:r>
+              <a:rPr lang="en-US" sz="1200" dirty="0">
+                <a:solidFill>
+                  <a:srgbClr val="5B9CD5"/>
+                </a:solidFill>
+                <a:latin typeface="Arial" panose="020B0604020202020204" pitchFamily="34" charset="0"/>
+                <a:cs typeface="Arial" panose="020B0604020202020204" pitchFamily="34" charset="0"/>
+              </a:rPr>
+              <a:t>Availability Zone 2</a:t>
+            </a:r>
+          </a:p>
+        </p:txBody>
+      </p:sp>
+      <p:sp>
+        <p:nvSpPr>
+          <p:cNvPr id="70" name="TextBox 18">
+            <a:extLst>
+              <a:ext uri="{FF2B5EF4-FFF2-40B4-BE49-F238E27FC236}">
+                <a16:creationId xmlns:a16="http://schemas.microsoft.com/office/drawing/2014/main" id="{1EC81558-889F-2F42-8968-6AA5D629C5C8}"/>
+              </a:ext>
+            </a:extLst>
+          </p:cNvPr>
+          <p:cNvSpPr txBox="1">
+            <a:spLocks noChangeArrowheads="1"/>
+          </p:cNvSpPr>
+          <p:nvPr/>
+        </p:nvSpPr>
+        <p:spPr bwMode="auto">
+          <a:xfrm>
+            <a:off x="3113699" y="4435047"/>
+            <a:ext cx="1767152" cy="261610"/>
+          </a:xfrm>
+          <a:prstGeom prst="rect">
+            <a:avLst/>
+          </a:prstGeom>
+          <a:noFill/>
+          <a:ln>
+            <a:noFill/>
+          </a:ln>
+          <a:extLst>
+            <a:ext uri="{909E8E84-426E-40DD-AFC4-6F175D3DCCD1}">
+              <a14:hiddenFill xmlns:a14="http://schemas.microsoft.com/office/drawing/2010/main">
+                <a:solidFill>
+                  <a:srgbClr val="FFFFFF"/>
+                </a:solidFill>
+              </a14:hiddenFill>
+            </a:ext>
+            <a:ext uri="{91240B29-F687-4F45-9708-019B960494DF}">
+              <a14:hiddenLine xmlns:a14="http://schemas.microsoft.com/office/drawing/2010/main" w="9525">
+                <a:solidFill>
+                  <a:srgbClr val="000000"/>
+                </a:solidFill>
+                <a:miter lim="800000"/>
+                <a:headEnd/>
+                <a:tailEnd/>
+              </a14:hiddenLine>
+            </a:ext>
+          </a:extLst>
+        </p:spPr>
+        <p:txBody>
+          <a:bodyPr>
+            <a:spAutoFit/>
+          </a:bodyPr>
+          <a:lstStyle>
+            <a:lvl1pPr>
+              <a:defRPr>
+                <a:solidFill>
+                  <a:schemeClr val="tx1"/>
+                </a:solidFill>
+                <a:latin typeface="Calibri" panose="020F0502020204030204" pitchFamily="34" charset="0"/>
+              </a:defRPr>
+            </a:lvl1pPr>
+            <a:lvl2pPr marL="742950" indent="-285750">
+              <a:defRPr>
+                <a:solidFill>
+                  <a:schemeClr val="tx1"/>
+                </a:solidFill>
+                <a:latin typeface="Calibri" panose="020F0502020204030204" pitchFamily="34" charset="0"/>
+              </a:defRPr>
+            </a:lvl2pPr>
+            <a:lvl3pPr marL="1143000" indent="-228600">
+              <a:defRPr>
+                <a:solidFill>
+                  <a:schemeClr val="tx1"/>
+                </a:solidFill>
+                <a:latin typeface="Calibri" panose="020F0502020204030204" pitchFamily="34" charset="0"/>
+              </a:defRPr>
+            </a:lvl3pPr>
+            <a:lvl4pPr marL="1600200" indent="-228600">
+              <a:defRPr>
+                <a:solidFill>
+                  <a:schemeClr val="tx1"/>
+                </a:solidFill>
+                <a:latin typeface="Calibri" panose="020F0502020204030204" pitchFamily="34" charset="0"/>
+              </a:defRPr>
+            </a:lvl4pPr>
+            <a:lvl5pPr marL="2057400" indent="-228600">
+              <a:defRPr>
+                <a:solidFill>
+                  <a:schemeClr val="tx1"/>
+                </a:solidFill>
+                <a:latin typeface="Calibri" panose="020F0502020204030204" pitchFamily="34" charset="0"/>
+              </a:defRPr>
+            </a:lvl5pPr>
+            <a:lvl6pPr marL="2514600" indent="-228600" eaLnBrk="0" fontAlgn="base" hangingPunct="0">
+              <a:spcBef>
+                <a:spcPct val="0"/>
+              </a:spcBef>
+              <a:spcAft>
+                <a:spcPct val="0"/>
+              </a:spcAft>
+              <a:defRPr>
+                <a:solidFill>
+                  <a:schemeClr val="tx1"/>
+                </a:solidFill>
+                <a:latin typeface="Calibri" panose="020F0502020204030204" pitchFamily="34" charset="0"/>
+              </a:defRPr>
+            </a:lvl6pPr>
+            <a:lvl7pPr marL="2971800" indent="-228600" eaLnBrk="0" fontAlgn="base" hangingPunct="0">
+              <a:spcBef>
+                <a:spcPct val="0"/>
+              </a:spcBef>
+              <a:spcAft>
+                <a:spcPct val="0"/>
+              </a:spcAft>
+              <a:defRPr>
+                <a:solidFill>
+                  <a:schemeClr val="tx1"/>
+                </a:solidFill>
+                <a:latin typeface="Calibri" panose="020F0502020204030204" pitchFamily="34" charset="0"/>
+              </a:defRPr>
+            </a:lvl7pPr>
+            <a:lvl8pPr marL="3429000" indent="-228600" eaLnBrk="0" fontAlgn="base" hangingPunct="0">
+              <a:spcBef>
+                <a:spcPct val="0"/>
+              </a:spcBef>
+              <a:spcAft>
+                <a:spcPct val="0"/>
+              </a:spcAft>
+              <a:defRPr>
+                <a:solidFill>
+                  <a:schemeClr val="tx1"/>
+                </a:solidFill>
+                <a:latin typeface="Calibri" panose="020F0502020204030204" pitchFamily="34" charset="0"/>
+              </a:defRPr>
+            </a:lvl8pPr>
+            <a:lvl9pPr marL="3886200" indent="-228600" eaLnBrk="0" fontAlgn="base" hangingPunct="0">
+              <a:spcBef>
+                <a:spcPct val="0"/>
+              </a:spcBef>
+              <a:spcAft>
+                <a:spcPct val="0"/>
+              </a:spcAft>
+              <a:defRPr>
+                <a:solidFill>
+                  <a:schemeClr val="tx1"/>
+                </a:solidFill>
+                <a:latin typeface="Calibri" panose="020F0502020204030204" pitchFamily="34" charset="0"/>
+              </a:defRPr>
+            </a:lvl9pPr>
+          </a:lstStyle>
+          <a:p>
+            <a:pPr algn="ctr" eaLnBrk="1" hangingPunct="1"/>
+            <a:r>
+              <a:rPr lang="en-US" altLang="en-US" sz="1100" dirty="0">
+                <a:solidFill>
+                  <a:srgbClr val="232F3E"/>
+                </a:solidFill>
+                <a:latin typeface="Arial" panose="020B0604020202020204" pitchFamily="34" charset="0"/>
+                <a:cs typeface="Arial" panose="020B0604020202020204" pitchFamily="34" charset="0"/>
+              </a:rPr>
+              <a:t>LogStream Worker(s)</a:t>
+            </a:r>
+          </a:p>
+        </p:txBody>
+      </p:sp>
+      <p:sp>
+        <p:nvSpPr>
+          <p:cNvPr id="72" name="TextBox 20">
+            <a:extLst>
+              <a:ext uri="{FF2B5EF4-FFF2-40B4-BE49-F238E27FC236}">
+                <a16:creationId xmlns:a16="http://schemas.microsoft.com/office/drawing/2014/main" id="{6621EFC9-FDC1-8840-B9BB-C18CDAEC2465}"/>
+              </a:ext>
+            </a:extLst>
+          </p:cNvPr>
+          <p:cNvSpPr txBox="1">
+            <a:spLocks noChangeArrowheads="1"/>
+          </p:cNvSpPr>
+          <p:nvPr/>
+        </p:nvSpPr>
+        <p:spPr bwMode="auto">
+          <a:xfrm>
+            <a:off x="7316029" y="4435047"/>
+            <a:ext cx="1767152" cy="261610"/>
+          </a:xfrm>
+          <a:prstGeom prst="rect">
+            <a:avLst/>
+          </a:prstGeom>
+          <a:noFill/>
+          <a:ln>
+            <a:noFill/>
+          </a:ln>
+          <a:extLst>
+            <a:ext uri="{909E8E84-426E-40DD-AFC4-6F175D3DCCD1}">
+              <a14:hiddenFill xmlns:a14="http://schemas.microsoft.com/office/drawing/2010/main">
+                <a:solidFill>
+                  <a:srgbClr val="FFFFFF"/>
+                </a:solidFill>
+              </a14:hiddenFill>
+            </a:ext>
+            <a:ext uri="{91240B29-F687-4F45-9708-019B960494DF}">
+              <a14:hiddenLine xmlns:a14="http://schemas.microsoft.com/office/drawing/2010/main" w="9525">
+                <a:solidFill>
+                  <a:srgbClr val="000000"/>
+                </a:solidFill>
+                <a:miter lim="800000"/>
+                <a:headEnd/>
+                <a:tailEnd/>
+              </a14:hiddenLine>
+            </a:ext>
+          </a:extLst>
+        </p:spPr>
+        <p:txBody>
+          <a:bodyPr>
+            <a:spAutoFit/>
+          </a:bodyPr>
+          <a:lstStyle>
+            <a:lvl1pPr>
+              <a:defRPr>
+                <a:solidFill>
+                  <a:schemeClr val="tx1"/>
+                </a:solidFill>
+                <a:latin typeface="Calibri" panose="020F0502020204030204" pitchFamily="34" charset="0"/>
+              </a:defRPr>
+            </a:lvl1pPr>
+            <a:lvl2pPr marL="742950" indent="-285750">
+              <a:defRPr>
+                <a:solidFill>
+                  <a:schemeClr val="tx1"/>
+                </a:solidFill>
+                <a:latin typeface="Calibri" panose="020F0502020204030204" pitchFamily="34" charset="0"/>
+              </a:defRPr>
+            </a:lvl2pPr>
+            <a:lvl3pPr marL="1143000" indent="-228600">
+              <a:defRPr>
+                <a:solidFill>
+                  <a:schemeClr val="tx1"/>
+                </a:solidFill>
+                <a:latin typeface="Calibri" panose="020F0502020204030204" pitchFamily="34" charset="0"/>
+              </a:defRPr>
+            </a:lvl3pPr>
+            <a:lvl4pPr marL="1600200" indent="-228600">
+              <a:defRPr>
+                <a:solidFill>
+                  <a:schemeClr val="tx1"/>
+                </a:solidFill>
+                <a:latin typeface="Calibri" panose="020F0502020204030204" pitchFamily="34" charset="0"/>
+              </a:defRPr>
+            </a:lvl4pPr>
+            <a:lvl5pPr marL="2057400" indent="-228600">
+              <a:defRPr>
+                <a:solidFill>
+                  <a:schemeClr val="tx1"/>
+                </a:solidFill>
+                <a:latin typeface="Calibri" panose="020F0502020204030204" pitchFamily="34" charset="0"/>
+              </a:defRPr>
+            </a:lvl5pPr>
+            <a:lvl6pPr marL="2514600" indent="-228600" eaLnBrk="0" fontAlgn="base" hangingPunct="0">
+              <a:spcBef>
+                <a:spcPct val="0"/>
+              </a:spcBef>
+              <a:spcAft>
+                <a:spcPct val="0"/>
+              </a:spcAft>
+              <a:defRPr>
+                <a:solidFill>
+                  <a:schemeClr val="tx1"/>
+                </a:solidFill>
+                <a:latin typeface="Calibri" panose="020F0502020204030204" pitchFamily="34" charset="0"/>
+              </a:defRPr>
+            </a:lvl6pPr>
+            <a:lvl7pPr marL="2971800" indent="-228600" eaLnBrk="0" fontAlgn="base" hangingPunct="0">
+              <a:spcBef>
+                <a:spcPct val="0"/>
+              </a:spcBef>
+              <a:spcAft>
+                <a:spcPct val="0"/>
+              </a:spcAft>
+              <a:defRPr>
+                <a:solidFill>
+                  <a:schemeClr val="tx1"/>
+                </a:solidFill>
+                <a:latin typeface="Calibri" panose="020F0502020204030204" pitchFamily="34" charset="0"/>
+              </a:defRPr>
+            </a:lvl7pPr>
+            <a:lvl8pPr marL="3429000" indent="-228600" eaLnBrk="0" fontAlgn="base" hangingPunct="0">
+              <a:spcBef>
+                <a:spcPct val="0"/>
+              </a:spcBef>
+              <a:spcAft>
+                <a:spcPct val="0"/>
+              </a:spcAft>
+              <a:defRPr>
+                <a:solidFill>
+                  <a:schemeClr val="tx1"/>
+                </a:solidFill>
+                <a:latin typeface="Calibri" panose="020F0502020204030204" pitchFamily="34" charset="0"/>
+              </a:defRPr>
+            </a:lvl8pPr>
+            <a:lvl9pPr marL="3886200" indent="-228600" eaLnBrk="0" fontAlgn="base" hangingPunct="0">
+              <a:spcBef>
+                <a:spcPct val="0"/>
+              </a:spcBef>
+              <a:spcAft>
+                <a:spcPct val="0"/>
+              </a:spcAft>
+              <a:defRPr>
+                <a:solidFill>
+                  <a:schemeClr val="tx1"/>
+                </a:solidFill>
+                <a:latin typeface="Calibri" panose="020F0502020204030204" pitchFamily="34" charset="0"/>
+              </a:defRPr>
+            </a:lvl9pPr>
+          </a:lstStyle>
+          <a:p>
+            <a:pPr algn="ctr"/>
+            <a:r>
+              <a:rPr lang="en-US" altLang="en-US" sz="1100" dirty="0">
+                <a:solidFill>
+                  <a:srgbClr val="232F3E"/>
+                </a:solidFill>
+                <a:latin typeface="Arial" panose="020B0604020202020204" pitchFamily="34" charset="0"/>
+                <a:cs typeface="Arial" panose="020B0604020202020204" pitchFamily="34" charset="0"/>
+              </a:rPr>
+              <a:t>LogStream Worker(s)</a:t>
+            </a:r>
+          </a:p>
+        </p:txBody>
+      </p:sp>
+      <p:sp>
+        <p:nvSpPr>
+          <p:cNvPr id="73" name="Rectangle 72">
+            <a:extLst>
+              <a:ext uri="{FF2B5EF4-FFF2-40B4-BE49-F238E27FC236}">
+                <a16:creationId xmlns:a16="http://schemas.microsoft.com/office/drawing/2014/main" id="{182EB2E6-6E0A-1247-806D-25EED0ACEE4A}"/>
+              </a:ext>
+            </a:extLst>
+          </p:cNvPr>
+          <p:cNvSpPr/>
+          <p:nvPr/>
+        </p:nvSpPr>
+        <p:spPr>
+          <a:xfrm>
+            <a:off x="3035851" y="3843627"/>
+            <a:ext cx="6118225" cy="969963"/>
+          </a:xfrm>
+          <a:prstGeom prst="rect">
+            <a:avLst/>
+          </a:prstGeom>
+          <a:noFill/>
+          <a:ln w="12700">
+            <a:solidFill>
+              <a:srgbClr val="D86613"/>
+            </a:solidFill>
+            <a:prstDash val="solid"/>
+          </a:ln>
+        </p:spPr>
+        <p:style>
+          <a:lnRef idx="2">
+            <a:schemeClr val="accent1">
+              <a:shade val="50000"/>
+            </a:schemeClr>
+          </a:lnRef>
+          <a:fillRef idx="1">
+            <a:schemeClr val="accent1"/>
+          </a:fillRef>
+          <a:effectRef idx="0">
+            <a:schemeClr val="accent1"/>
+          </a:effectRef>
+          <a:fontRef idx="minor">
+            <a:schemeClr val="lt1"/>
+          </a:fontRef>
+        </p:style>
+        <p:txBody>
+          <a:bodyPr tIns="91440"/>
+          <a:lstStyle/>
+          <a:p>
+            <a:pPr algn="ctr" eaLnBrk="1" fontAlgn="auto" hangingPunct="1">
+              <a:spcBef>
+                <a:spcPts val="0"/>
+              </a:spcBef>
+              <a:spcAft>
+                <a:spcPts val="0"/>
+              </a:spcAft>
+              <a:defRPr/>
+            </a:pPr>
+            <a:endParaRPr lang="en-US" sz="1200" dirty="0">
+              <a:solidFill>
+                <a:srgbClr val="D86613"/>
+              </a:solidFill>
+              <a:latin typeface="Arial" panose="020B0604020202020204" pitchFamily="34" charset="0"/>
+              <a:cs typeface="Arial" panose="020B0604020202020204" pitchFamily="34" charset="0"/>
+            </a:endParaRPr>
+          </a:p>
+        </p:txBody>
+      </p:sp>
+      <p:pic>
+        <p:nvPicPr>
+          <p:cNvPr id="74" name="Graphic 73">
+            <a:extLst>
+              <a:ext uri="{FF2B5EF4-FFF2-40B4-BE49-F238E27FC236}">
+                <a16:creationId xmlns:a16="http://schemas.microsoft.com/office/drawing/2014/main" id="{AFE8068F-3477-4E4D-8F82-C217F94C89CB}"/>
+              </a:ext>
+            </a:extLst>
+          </p:cNvPr>
+          <p:cNvPicPr>
+            <a:picLocks noChangeAspect="1"/>
+          </p:cNvPicPr>
+          <p:nvPr/>
+        </p:nvPicPr>
+        <p:blipFill>
+          <a:blip r:embed="rId2">
+            <a:extLst>
+              <a:ext uri="{96DAC541-7B7A-43D3-8B79-37D633B846F1}">
+                <asvg:svgBlip xmlns:asvg="http://schemas.microsoft.com/office/drawing/2016/SVG/main" r:embed="rId3"/>
+              </a:ext>
+            </a:extLst>
+          </a:blip>
+          <a:srcRect/>
+          <a:stretch/>
+        </p:blipFill>
+        <p:spPr>
+          <a:xfrm>
+            <a:off x="532405" y="788779"/>
+            <a:ext cx="381000" cy="381000"/>
+          </a:xfrm>
+          <a:prstGeom prst="rect">
+            <a:avLst/>
+          </a:prstGeom>
+        </p:spPr>
+      </p:pic>
+      <p:pic>
+        <p:nvPicPr>
+          <p:cNvPr id="75" name="Graphic 74">
+            <a:extLst>
+              <a:ext uri="{FF2B5EF4-FFF2-40B4-BE49-F238E27FC236}">
+                <a16:creationId xmlns:a16="http://schemas.microsoft.com/office/drawing/2014/main" id="{719918BF-A3AA-A142-B0CE-C4D7D69614D1}"/>
+              </a:ext>
+            </a:extLst>
+          </p:cNvPr>
+          <p:cNvPicPr>
+            <a:picLocks noChangeAspect="1"/>
+          </p:cNvPicPr>
+          <p:nvPr/>
+        </p:nvPicPr>
+        <p:blipFill>
+          <a:blip r:embed="rId4">
+            <a:extLst>
+              <a:ext uri="{96DAC541-7B7A-43D3-8B79-37D633B846F1}">
+                <asvg:svgBlip xmlns:asvg="http://schemas.microsoft.com/office/drawing/2016/SVG/main" r:embed="rId5"/>
+              </a:ext>
+            </a:extLst>
+          </a:blip>
+          <a:stretch>
+            <a:fillRect/>
+          </a:stretch>
+        </p:blipFill>
+        <p:spPr>
+          <a:xfrm>
+            <a:off x="915404" y="1155123"/>
+            <a:ext cx="381000" cy="381000"/>
+          </a:xfrm>
+          <a:prstGeom prst="rect">
+            <a:avLst/>
+          </a:prstGeom>
+        </p:spPr>
+      </p:pic>
+      <p:sp>
+        <p:nvSpPr>
+          <p:cNvPr id="79" name="Rectangle 78">
+            <a:extLst>
+              <a:ext uri="{FF2B5EF4-FFF2-40B4-BE49-F238E27FC236}">
+                <a16:creationId xmlns:a16="http://schemas.microsoft.com/office/drawing/2014/main" id="{D0C0FAC5-9DEF-8244-9840-C97698EE57A6}"/>
+              </a:ext>
+            </a:extLst>
+          </p:cNvPr>
+          <p:cNvSpPr/>
+          <p:nvPr/>
+        </p:nvSpPr>
+        <p:spPr>
+          <a:xfrm>
+            <a:off x="1270006" y="4943979"/>
+            <a:ext cx="4422913" cy="1163908"/>
+          </a:xfrm>
+          <a:prstGeom prst="rect">
+            <a:avLst/>
+          </a:prstGeom>
+          <a:noFill/>
+          <a:ln w="12700">
+            <a:solidFill>
+              <a:srgbClr val="5A6B86"/>
+            </a:solidFill>
+            <a:prstDash val="dash"/>
+          </a:ln>
+        </p:spPr>
+        <p:style>
+          <a:lnRef idx="2">
+            <a:schemeClr val="accent1">
+              <a:shade val="50000"/>
+            </a:schemeClr>
+          </a:lnRef>
+          <a:fillRef idx="1">
+            <a:schemeClr val="accent1"/>
+          </a:fillRef>
+          <a:effectRef idx="0">
+            <a:schemeClr val="accent1"/>
+          </a:effectRef>
+          <a:fontRef idx="minor">
+            <a:schemeClr val="lt1"/>
+          </a:fontRef>
+        </p:style>
+        <p:txBody>
+          <a:bodyPr tIns="91440"/>
+          <a:lstStyle/>
+          <a:p>
+            <a:pPr algn="ctr" eaLnBrk="1" fontAlgn="auto" hangingPunct="1">
+              <a:spcBef>
+                <a:spcPts val="0"/>
+              </a:spcBef>
+              <a:spcAft>
+                <a:spcPts val="0"/>
+              </a:spcAft>
+              <a:defRPr/>
+            </a:pPr>
+            <a:r>
+              <a:rPr lang="en-US" sz="1200" dirty="0">
+                <a:solidFill>
+                  <a:srgbClr val="5A6B86"/>
+                </a:solidFill>
+                <a:latin typeface="Arial" panose="020B0604020202020204" pitchFamily="34" charset="0"/>
+                <a:cs typeface="Arial" panose="020B0604020202020204" pitchFamily="34" charset="0"/>
+              </a:rPr>
+              <a:t>Sources</a:t>
+            </a:r>
+          </a:p>
+        </p:txBody>
+      </p:sp>
+      <p:grpSp>
+        <p:nvGrpSpPr>
+          <p:cNvPr id="80" name="Group 79">
+            <a:extLst>
+              <a:ext uri="{FF2B5EF4-FFF2-40B4-BE49-F238E27FC236}">
+                <a16:creationId xmlns:a16="http://schemas.microsoft.com/office/drawing/2014/main" id="{B6BE12C2-2DE2-CA4E-B016-9830A3E67C02}"/>
+              </a:ext>
+            </a:extLst>
+          </p:cNvPr>
+          <p:cNvGrpSpPr/>
+          <p:nvPr/>
+        </p:nvGrpSpPr>
+        <p:grpSpPr>
+          <a:xfrm>
+            <a:off x="1467914" y="5209887"/>
+            <a:ext cx="952505" cy="921352"/>
+            <a:chOff x="1465018" y="4580024"/>
+            <a:chExt cx="952505" cy="921352"/>
+          </a:xfrm>
+        </p:grpSpPr>
+        <p:pic>
+          <p:nvPicPr>
+            <p:cNvPr id="87" name="Graphic 64">
+              <a:extLst>
+                <a:ext uri="{FF2B5EF4-FFF2-40B4-BE49-F238E27FC236}">
+                  <a16:creationId xmlns:a16="http://schemas.microsoft.com/office/drawing/2014/main" id="{52CD8E3C-D63B-0444-B2CB-007B50B23C59}"/>
+                </a:ext>
+              </a:extLst>
+            </p:cNvPr>
+            <p:cNvPicPr>
+              <a:picLocks noChangeAspect="1" noChangeArrowheads="1"/>
+            </p:cNvPicPr>
+            <p:nvPr/>
+          </p:nvPicPr>
+          <p:blipFill>
+            <a:blip r:embed="rId6">
+              <a:extLst>
+                <a:ext uri="{28A0092B-C50C-407E-A947-70E740481C1C}">
+                  <a14:useLocalDpi xmlns:a14="http://schemas.microsoft.com/office/drawing/2010/main" val="0"/>
+                </a:ext>
+              </a:extLst>
+            </a:blip>
+            <a:srcRect/>
+            <a:stretch>
+              <a:fillRect/>
+            </a:stretch>
+          </p:blipFill>
+          <p:spPr bwMode="auto">
+            <a:xfrm>
+              <a:off x="1712671" y="4580024"/>
+              <a:ext cx="457200" cy="457200"/>
+            </a:xfrm>
+            <a:prstGeom prst="rect">
+              <a:avLst/>
+            </a:prstGeom>
+            <a:noFill/>
+            <a:ln>
+              <a:noFill/>
+            </a:ln>
+            <a:extLst>
+              <a:ext uri="{909E8E84-426E-40DD-AFC4-6F175D3DCCD1}">
+                <a14:hiddenFill xmlns:a14="http://schemas.microsoft.com/office/drawing/2010/main">
+                  <a:solidFill>
+                    <a:srgbClr val="FFFFFF"/>
+                  </a:solidFill>
+                </a14:hiddenFill>
+              </a:ext>
+              <a:ext uri="{91240B29-F687-4F45-9708-019B960494DF}">
+                <a14:hiddenLine xmlns:a14="http://schemas.microsoft.com/office/drawing/2010/main" w="9525">
+                  <a:solidFill>
+                    <a:srgbClr val="000000"/>
+                  </a:solidFill>
+                  <a:miter lim="800000"/>
+                  <a:headEnd/>
+                  <a:tailEnd/>
+                </a14:hiddenLine>
+              </a:ext>
+            </a:extLst>
+          </p:spPr>
+        </p:pic>
+        <p:sp>
+          <p:nvSpPr>
+            <p:cNvPr id="88" name="TextBox 87">
+              <a:extLst>
+                <a:ext uri="{FF2B5EF4-FFF2-40B4-BE49-F238E27FC236}">
+                  <a16:creationId xmlns:a16="http://schemas.microsoft.com/office/drawing/2014/main" id="{09C76365-2B84-8A41-BFCD-CD2BFCA94EB0}"/>
+                </a:ext>
+              </a:extLst>
+            </p:cNvPr>
+            <p:cNvSpPr txBox="1"/>
+            <p:nvPr/>
+          </p:nvSpPr>
+          <p:spPr>
+            <a:xfrm>
+              <a:off x="1465018" y="5070489"/>
+              <a:ext cx="952505" cy="430887"/>
+            </a:xfrm>
+            <a:prstGeom prst="rect">
+              <a:avLst/>
+            </a:prstGeom>
+            <a:noFill/>
+          </p:spPr>
+          <p:txBody>
+            <a:bodyPr wrap="none" rtlCol="0">
+              <a:spAutoFit/>
+            </a:bodyPr>
+            <a:lstStyle/>
+            <a:p>
+              <a:pPr algn="ctr"/>
+              <a:r>
+                <a:rPr lang="en-US" sz="1100" dirty="0"/>
+                <a:t>Amazon S3 </a:t>
+              </a:r>
+            </a:p>
+            <a:p>
+              <a:pPr algn="ctr"/>
+              <a:r>
+                <a:rPr lang="en-US" sz="1100" dirty="0"/>
+                <a:t>Bucket</a:t>
+              </a:r>
+            </a:p>
+          </p:txBody>
+        </p:sp>
+      </p:grpSp>
+      <p:grpSp>
+        <p:nvGrpSpPr>
+          <p:cNvPr id="81" name="Group 80">
+            <a:extLst>
+              <a:ext uri="{FF2B5EF4-FFF2-40B4-BE49-F238E27FC236}">
+                <a16:creationId xmlns:a16="http://schemas.microsoft.com/office/drawing/2014/main" id="{3244B772-D4BA-EF44-A623-2884F560AE68}"/>
+              </a:ext>
+            </a:extLst>
+          </p:cNvPr>
+          <p:cNvGrpSpPr/>
+          <p:nvPr/>
+        </p:nvGrpSpPr>
+        <p:grpSpPr>
+          <a:xfrm>
+            <a:off x="2959479" y="5279113"/>
+            <a:ext cx="1039067" cy="752709"/>
+            <a:chOff x="2427626" y="4580024"/>
+            <a:chExt cx="1039067" cy="752709"/>
+          </a:xfrm>
+        </p:grpSpPr>
+        <p:pic>
+          <p:nvPicPr>
+            <p:cNvPr id="85" name="Graphic 26">
+              <a:extLst>
+                <a:ext uri="{FF2B5EF4-FFF2-40B4-BE49-F238E27FC236}">
+                  <a16:creationId xmlns:a16="http://schemas.microsoft.com/office/drawing/2014/main" id="{337F4895-D8B4-454C-9E5F-F1D35E5430B4}"/>
+                </a:ext>
+              </a:extLst>
+            </p:cNvPr>
+            <p:cNvPicPr>
+              <a:picLocks noChangeAspect="1" noChangeArrowheads="1"/>
+            </p:cNvPicPr>
+            <p:nvPr/>
+          </p:nvPicPr>
+          <p:blipFill>
+            <a:blip r:embed="rId7">
+              <a:extLst>
+                <a:ext uri="{28A0092B-C50C-407E-A947-70E740481C1C}">
+                  <a14:useLocalDpi xmlns:a14="http://schemas.microsoft.com/office/drawing/2010/main" val="0"/>
+                </a:ext>
+              </a:extLst>
+            </a:blip>
+            <a:srcRect/>
+            <a:stretch>
+              <a:fillRect/>
+            </a:stretch>
+          </p:blipFill>
+          <p:spPr bwMode="auto">
+            <a:xfrm>
+              <a:off x="2718559" y="4580024"/>
+              <a:ext cx="457200" cy="457200"/>
+            </a:xfrm>
+            <a:prstGeom prst="rect">
+              <a:avLst/>
+            </a:prstGeom>
+            <a:noFill/>
+            <a:ln>
+              <a:noFill/>
+            </a:ln>
+            <a:extLst>
+              <a:ext uri="{909E8E84-426E-40DD-AFC4-6F175D3DCCD1}">
+                <a14:hiddenFill xmlns:a14="http://schemas.microsoft.com/office/drawing/2010/main">
+                  <a:solidFill>
+                    <a:srgbClr val="FFFFFF"/>
+                  </a:solidFill>
+                </a14:hiddenFill>
+              </a:ext>
+              <a:ext uri="{91240B29-F687-4F45-9708-019B960494DF}">
+                <a14:hiddenLine xmlns:a14="http://schemas.microsoft.com/office/drawing/2010/main" w="9525">
+                  <a:solidFill>
+                    <a:srgbClr val="000000"/>
+                  </a:solidFill>
+                  <a:miter lim="800000"/>
+                  <a:headEnd/>
+                  <a:tailEnd/>
+                </a14:hiddenLine>
+              </a:ext>
+            </a:extLst>
+          </p:spPr>
+        </p:pic>
+        <p:sp>
+          <p:nvSpPr>
+            <p:cNvPr id="86" name="TextBox 85">
+              <a:extLst>
+                <a:ext uri="{FF2B5EF4-FFF2-40B4-BE49-F238E27FC236}">
+                  <a16:creationId xmlns:a16="http://schemas.microsoft.com/office/drawing/2014/main" id="{4ECF32A5-48B9-AD4A-ABE3-C8B49ADA7126}"/>
+                </a:ext>
+              </a:extLst>
+            </p:cNvPr>
+            <p:cNvSpPr txBox="1"/>
+            <p:nvPr/>
+          </p:nvSpPr>
+          <p:spPr>
+            <a:xfrm>
+              <a:off x="2427626" y="5071123"/>
+              <a:ext cx="1039067" cy="261610"/>
+            </a:xfrm>
+            <a:prstGeom prst="rect">
+              <a:avLst/>
+            </a:prstGeom>
+            <a:noFill/>
+          </p:spPr>
+          <p:txBody>
+            <a:bodyPr wrap="none" rtlCol="0">
+              <a:spAutoFit/>
+            </a:bodyPr>
+            <a:lstStyle/>
+            <a:p>
+              <a:pPr algn="ctr"/>
+              <a:r>
+                <a:rPr lang="en-US" sz="1100" dirty="0"/>
+                <a:t>Amazon SQS</a:t>
+              </a:r>
+            </a:p>
+          </p:txBody>
+        </p:sp>
+      </p:grpSp>
+      <p:grpSp>
+        <p:nvGrpSpPr>
+          <p:cNvPr id="82" name="Group 81">
+            <a:extLst>
+              <a:ext uri="{FF2B5EF4-FFF2-40B4-BE49-F238E27FC236}">
+                <a16:creationId xmlns:a16="http://schemas.microsoft.com/office/drawing/2014/main" id="{5CA17424-C83D-E344-B6A5-B9346972233D}"/>
+              </a:ext>
+            </a:extLst>
+          </p:cNvPr>
+          <p:cNvGrpSpPr/>
+          <p:nvPr/>
+        </p:nvGrpSpPr>
+        <p:grpSpPr>
+          <a:xfrm>
+            <a:off x="3861601" y="5303861"/>
+            <a:ext cx="2279650" cy="727961"/>
+            <a:chOff x="2875556" y="4589383"/>
+            <a:chExt cx="2279650" cy="727961"/>
+          </a:xfrm>
+        </p:grpSpPr>
+        <p:pic>
+          <p:nvPicPr>
+            <p:cNvPr id="83" name="Graphic 24">
+              <a:extLst>
+                <a:ext uri="{FF2B5EF4-FFF2-40B4-BE49-F238E27FC236}">
+                  <a16:creationId xmlns:a16="http://schemas.microsoft.com/office/drawing/2014/main" id="{DDF65C1C-5D88-564D-82CC-25CC48678253}"/>
+                </a:ext>
+              </a:extLst>
+            </p:cNvPr>
+            <p:cNvPicPr>
+              <a:picLocks noChangeAspect="1" noChangeArrowheads="1"/>
+            </p:cNvPicPr>
+            <p:nvPr/>
+          </p:nvPicPr>
+          <p:blipFill>
+            <a:blip r:embed="rId8">
+              <a:extLst>
+                <a:ext uri="{28A0092B-C50C-407E-A947-70E740481C1C}">
+                  <a14:useLocalDpi xmlns:a14="http://schemas.microsoft.com/office/drawing/2010/main" val="0"/>
+                </a:ext>
+              </a:extLst>
+            </a:blip>
+            <a:srcRect/>
+            <a:stretch>
+              <a:fillRect/>
+            </a:stretch>
+          </p:blipFill>
+          <p:spPr bwMode="auto">
+            <a:xfrm>
+              <a:off x="3788568" y="4589383"/>
+              <a:ext cx="457200" cy="457200"/>
+            </a:xfrm>
+            <a:prstGeom prst="rect">
+              <a:avLst/>
+            </a:prstGeom>
+            <a:noFill/>
+            <a:ln>
+              <a:noFill/>
+            </a:ln>
+            <a:extLst>
+              <a:ext uri="{909E8E84-426E-40DD-AFC4-6F175D3DCCD1}">
+                <a14:hiddenFill xmlns:a14="http://schemas.microsoft.com/office/drawing/2010/main">
+                  <a:solidFill>
+                    <a:srgbClr val="FFFFFF"/>
+                  </a:solidFill>
+                </a14:hiddenFill>
+              </a:ext>
+              <a:ext uri="{91240B29-F687-4F45-9708-019B960494DF}">
+                <a14:hiddenLine xmlns:a14="http://schemas.microsoft.com/office/drawing/2010/main" w="9525">
+                  <a:solidFill>
+                    <a:srgbClr val="000000"/>
+                  </a:solidFill>
+                  <a:miter lim="800000"/>
+                  <a:headEnd/>
+                  <a:tailEnd/>
+                </a14:hiddenLine>
+              </a:ext>
+            </a:extLst>
+          </p:spPr>
+        </p:pic>
+        <p:sp>
+          <p:nvSpPr>
+            <p:cNvPr id="84" name="TextBox 19">
+              <a:extLst>
+                <a:ext uri="{FF2B5EF4-FFF2-40B4-BE49-F238E27FC236}">
+                  <a16:creationId xmlns:a16="http://schemas.microsoft.com/office/drawing/2014/main" id="{C3B3CCA0-B8C9-494B-9089-5DD14EEDD277}"/>
+                </a:ext>
+              </a:extLst>
+            </p:cNvPr>
+            <p:cNvSpPr txBox="1">
+              <a:spLocks noChangeArrowheads="1"/>
+            </p:cNvSpPr>
+            <p:nvPr/>
+          </p:nvSpPr>
+          <p:spPr bwMode="auto">
+            <a:xfrm>
+              <a:off x="2875556" y="5055734"/>
+              <a:ext cx="2279650" cy="261610"/>
+            </a:xfrm>
+            <a:prstGeom prst="rect">
+              <a:avLst/>
+            </a:prstGeom>
+            <a:noFill/>
+            <a:ln>
+              <a:noFill/>
+            </a:ln>
+            <a:extLst>
+              <a:ext uri="{909E8E84-426E-40DD-AFC4-6F175D3DCCD1}">
+                <a14:hiddenFill xmlns:a14="http://schemas.microsoft.com/office/drawing/2010/main">
+                  <a:solidFill>
+                    <a:srgbClr val="FFFFFF"/>
+                  </a:solidFill>
+                </a14:hiddenFill>
+              </a:ext>
+              <a:ext uri="{91240B29-F687-4F45-9708-019B960494DF}">
+                <a14:hiddenLine xmlns:a14="http://schemas.microsoft.com/office/drawing/2010/main" w="9525">
+                  <a:solidFill>
+                    <a:srgbClr val="000000"/>
+                  </a:solidFill>
+                  <a:miter lim="800000"/>
+                  <a:headEnd/>
+                  <a:tailEnd/>
+                </a14:hiddenLine>
+              </a:ext>
+            </a:extLst>
+          </p:spPr>
+          <p:txBody>
+            <a:bodyPr>
+              <a:spAutoFit/>
+            </a:bodyPr>
+            <a:lstStyle>
+              <a:lvl1pPr>
+                <a:defRPr>
+                  <a:solidFill>
+                    <a:schemeClr val="tx1"/>
+                  </a:solidFill>
+                  <a:latin typeface="Calibri" panose="020F0502020204030204" pitchFamily="34" charset="0"/>
+                </a:defRPr>
+              </a:lvl1pPr>
+              <a:lvl2pPr marL="742950" indent="-285750">
+                <a:defRPr>
+                  <a:solidFill>
+                    <a:schemeClr val="tx1"/>
+                  </a:solidFill>
+                  <a:latin typeface="Calibri" panose="020F0502020204030204" pitchFamily="34" charset="0"/>
+                </a:defRPr>
+              </a:lvl2pPr>
+              <a:lvl3pPr marL="1143000" indent="-228600">
+                <a:defRPr>
+                  <a:solidFill>
+                    <a:schemeClr val="tx1"/>
+                  </a:solidFill>
+                  <a:latin typeface="Calibri" panose="020F0502020204030204" pitchFamily="34" charset="0"/>
+                </a:defRPr>
+              </a:lvl3pPr>
+              <a:lvl4pPr marL="1600200" indent="-228600">
+                <a:defRPr>
+                  <a:solidFill>
+                    <a:schemeClr val="tx1"/>
+                  </a:solidFill>
+                  <a:latin typeface="Calibri" panose="020F0502020204030204" pitchFamily="34" charset="0"/>
+                </a:defRPr>
+              </a:lvl4pPr>
+              <a:lvl5pPr marL="2057400" indent="-228600">
+                <a:defRPr>
+                  <a:solidFill>
+                    <a:schemeClr val="tx1"/>
+                  </a:solidFill>
+                  <a:latin typeface="Calibri" panose="020F0502020204030204" pitchFamily="34" charset="0"/>
+                </a:defRPr>
+              </a:lvl5pPr>
+              <a:lvl6pPr marL="2514600" indent="-228600" eaLnBrk="0" fontAlgn="base" hangingPunct="0">
+                <a:spcBef>
+                  <a:spcPct val="0"/>
+                </a:spcBef>
+                <a:spcAft>
+                  <a:spcPct val="0"/>
+                </a:spcAft>
+                <a:defRPr>
+                  <a:solidFill>
+                    <a:schemeClr val="tx1"/>
+                  </a:solidFill>
+                  <a:latin typeface="Calibri" panose="020F0502020204030204" pitchFamily="34" charset="0"/>
+                </a:defRPr>
+              </a:lvl6pPr>
+              <a:lvl7pPr marL="2971800" indent="-228600" eaLnBrk="0" fontAlgn="base" hangingPunct="0">
+                <a:spcBef>
+                  <a:spcPct val="0"/>
+                </a:spcBef>
+                <a:spcAft>
+                  <a:spcPct val="0"/>
+                </a:spcAft>
+                <a:defRPr>
+                  <a:solidFill>
+                    <a:schemeClr val="tx1"/>
+                  </a:solidFill>
+                  <a:latin typeface="Calibri" panose="020F0502020204030204" pitchFamily="34" charset="0"/>
+                </a:defRPr>
+              </a:lvl7pPr>
+              <a:lvl8pPr marL="3429000" indent="-228600" eaLnBrk="0" fontAlgn="base" hangingPunct="0">
+                <a:spcBef>
+                  <a:spcPct val="0"/>
+                </a:spcBef>
+                <a:spcAft>
+                  <a:spcPct val="0"/>
+                </a:spcAft>
+                <a:defRPr>
+                  <a:solidFill>
+                    <a:schemeClr val="tx1"/>
+                  </a:solidFill>
+                  <a:latin typeface="Calibri" panose="020F0502020204030204" pitchFamily="34" charset="0"/>
+                </a:defRPr>
+              </a:lvl8pPr>
+              <a:lvl9pPr marL="3886200" indent="-228600" eaLnBrk="0" fontAlgn="base" hangingPunct="0">
+                <a:spcBef>
+                  <a:spcPct val="0"/>
+                </a:spcBef>
+                <a:spcAft>
+                  <a:spcPct val="0"/>
+                </a:spcAft>
+                <a:defRPr>
+                  <a:solidFill>
+                    <a:schemeClr val="tx1"/>
+                  </a:solidFill>
+                  <a:latin typeface="Calibri" panose="020F0502020204030204" pitchFamily="34" charset="0"/>
+                </a:defRPr>
+              </a:lvl9pPr>
+            </a:lstStyle>
+            <a:p>
+              <a:pPr algn="ctr" eaLnBrk="1" hangingPunct="1"/>
+              <a:r>
+                <a:rPr lang="en-US" altLang="en-US" sz="1100" dirty="0">
+                  <a:latin typeface="Arial" panose="020B0604020202020204" pitchFamily="34" charset="0"/>
+                  <a:ea typeface="Amazon Ember" panose="020B0603020204020204" pitchFamily="34" charset="0"/>
+                  <a:cs typeface="Arial" panose="020B0604020202020204" pitchFamily="34" charset="0"/>
+                </a:rPr>
+                <a:t>Amazon Kinesis</a:t>
+              </a:r>
+            </a:p>
+          </p:txBody>
+        </p:sp>
+      </p:grpSp>
+      <p:sp>
+        <p:nvSpPr>
+          <p:cNvPr id="89" name="Rectangle 88">
+            <a:extLst>
+              <a:ext uri="{FF2B5EF4-FFF2-40B4-BE49-F238E27FC236}">
+                <a16:creationId xmlns:a16="http://schemas.microsoft.com/office/drawing/2014/main" id="{6595C5E1-4570-674A-ADB2-353134846AC0}"/>
+              </a:ext>
+            </a:extLst>
+          </p:cNvPr>
+          <p:cNvSpPr/>
+          <p:nvPr/>
+        </p:nvSpPr>
+        <p:spPr>
+          <a:xfrm>
+            <a:off x="6499083" y="4963857"/>
+            <a:ext cx="4422913" cy="1134932"/>
+          </a:xfrm>
+          <a:prstGeom prst="rect">
+            <a:avLst/>
+          </a:prstGeom>
+          <a:noFill/>
+          <a:ln w="12700">
+            <a:solidFill>
+              <a:srgbClr val="5A6B86"/>
+            </a:solidFill>
+            <a:prstDash val="dash"/>
+          </a:ln>
+        </p:spPr>
+        <p:style>
+          <a:lnRef idx="2">
+            <a:schemeClr val="accent1">
+              <a:shade val="50000"/>
+            </a:schemeClr>
+          </a:lnRef>
+          <a:fillRef idx="1">
+            <a:schemeClr val="accent1"/>
+          </a:fillRef>
+          <a:effectRef idx="0">
+            <a:schemeClr val="accent1"/>
+          </a:effectRef>
+          <a:fontRef idx="minor">
+            <a:schemeClr val="lt1"/>
+          </a:fontRef>
+        </p:style>
+        <p:txBody>
+          <a:bodyPr tIns="91440"/>
+          <a:lstStyle/>
+          <a:p>
+            <a:pPr algn="ctr" eaLnBrk="1" fontAlgn="auto" hangingPunct="1">
+              <a:spcBef>
+                <a:spcPts val="0"/>
+              </a:spcBef>
+              <a:spcAft>
+                <a:spcPts val="0"/>
+              </a:spcAft>
+              <a:defRPr/>
+            </a:pPr>
+            <a:r>
+              <a:rPr lang="en-US" sz="1200" dirty="0">
+                <a:solidFill>
+                  <a:srgbClr val="5A6B86"/>
+                </a:solidFill>
+                <a:latin typeface="Arial" panose="020B0604020202020204" pitchFamily="34" charset="0"/>
+                <a:cs typeface="Arial" panose="020B0604020202020204" pitchFamily="34" charset="0"/>
+              </a:rPr>
+              <a:t>Destinations</a:t>
+            </a:r>
+          </a:p>
+        </p:txBody>
+      </p:sp>
+      <p:grpSp>
+        <p:nvGrpSpPr>
+          <p:cNvPr id="90" name="Group 89">
+            <a:extLst>
+              <a:ext uri="{FF2B5EF4-FFF2-40B4-BE49-F238E27FC236}">
+                <a16:creationId xmlns:a16="http://schemas.microsoft.com/office/drawing/2014/main" id="{BC3ABC6F-7491-5D41-BA09-F52B896526F3}"/>
+              </a:ext>
+            </a:extLst>
+          </p:cNvPr>
+          <p:cNvGrpSpPr/>
+          <p:nvPr/>
+        </p:nvGrpSpPr>
+        <p:grpSpPr>
+          <a:xfrm>
+            <a:off x="6684177" y="5217536"/>
+            <a:ext cx="952505" cy="921352"/>
+            <a:chOff x="1465018" y="4401122"/>
+            <a:chExt cx="952505" cy="921352"/>
+          </a:xfrm>
+        </p:grpSpPr>
+        <p:pic>
+          <p:nvPicPr>
+            <p:cNvPr id="91" name="Graphic 64">
+              <a:extLst>
+                <a:ext uri="{FF2B5EF4-FFF2-40B4-BE49-F238E27FC236}">
+                  <a16:creationId xmlns:a16="http://schemas.microsoft.com/office/drawing/2014/main" id="{45A98955-D75C-A34C-9AD1-DA12081BD91C}"/>
+                </a:ext>
+              </a:extLst>
+            </p:cNvPr>
+            <p:cNvPicPr>
+              <a:picLocks noChangeAspect="1" noChangeArrowheads="1"/>
+            </p:cNvPicPr>
+            <p:nvPr/>
+          </p:nvPicPr>
+          <p:blipFill>
+            <a:blip r:embed="rId6">
+              <a:extLst>
+                <a:ext uri="{28A0092B-C50C-407E-A947-70E740481C1C}">
+                  <a14:useLocalDpi xmlns:a14="http://schemas.microsoft.com/office/drawing/2010/main" val="0"/>
+                </a:ext>
+              </a:extLst>
+            </a:blip>
+            <a:srcRect/>
+            <a:stretch>
+              <a:fillRect/>
+            </a:stretch>
+          </p:blipFill>
+          <p:spPr bwMode="auto">
+            <a:xfrm>
+              <a:off x="1712671" y="4401122"/>
+              <a:ext cx="457200" cy="457200"/>
+            </a:xfrm>
+            <a:prstGeom prst="rect">
+              <a:avLst/>
+            </a:prstGeom>
+            <a:noFill/>
+            <a:ln>
+              <a:noFill/>
+            </a:ln>
+            <a:extLst>
+              <a:ext uri="{909E8E84-426E-40DD-AFC4-6F175D3DCCD1}">
+                <a14:hiddenFill xmlns:a14="http://schemas.microsoft.com/office/drawing/2010/main">
+                  <a:solidFill>
+                    <a:srgbClr val="FFFFFF"/>
+                  </a:solidFill>
+                </a14:hiddenFill>
+              </a:ext>
+              <a:ext uri="{91240B29-F687-4F45-9708-019B960494DF}">
+                <a14:hiddenLine xmlns:a14="http://schemas.microsoft.com/office/drawing/2010/main" w="9525">
+                  <a:solidFill>
+                    <a:srgbClr val="000000"/>
+                  </a:solidFill>
+                  <a:miter lim="800000"/>
+                  <a:headEnd/>
+                  <a:tailEnd/>
+                </a14:hiddenLine>
+              </a:ext>
+            </a:extLst>
+          </p:spPr>
+        </p:pic>
+        <p:sp>
+          <p:nvSpPr>
+            <p:cNvPr id="92" name="TextBox 91">
+              <a:extLst>
+                <a:ext uri="{FF2B5EF4-FFF2-40B4-BE49-F238E27FC236}">
+                  <a16:creationId xmlns:a16="http://schemas.microsoft.com/office/drawing/2014/main" id="{5F860FFE-7914-2A47-9E1E-01BF3A6D788C}"/>
+                </a:ext>
+              </a:extLst>
+            </p:cNvPr>
+            <p:cNvSpPr txBox="1"/>
+            <p:nvPr/>
+          </p:nvSpPr>
+          <p:spPr>
+            <a:xfrm>
+              <a:off x="1465018" y="4891587"/>
+              <a:ext cx="952505" cy="430887"/>
+            </a:xfrm>
+            <a:prstGeom prst="rect">
+              <a:avLst/>
+            </a:prstGeom>
+            <a:noFill/>
+          </p:spPr>
+          <p:txBody>
+            <a:bodyPr wrap="none" rtlCol="0">
+              <a:spAutoFit/>
+            </a:bodyPr>
+            <a:lstStyle/>
+            <a:p>
+              <a:pPr algn="ctr"/>
+              <a:r>
+                <a:rPr lang="en-US" sz="1100" dirty="0"/>
+                <a:t>Amazon S3 </a:t>
+              </a:r>
+            </a:p>
+            <a:p>
+              <a:pPr algn="ctr"/>
+              <a:r>
+                <a:rPr lang="en-US" sz="1100" dirty="0"/>
+                <a:t>Bucket</a:t>
+              </a:r>
+            </a:p>
+          </p:txBody>
+        </p:sp>
+      </p:grpSp>
+      <p:grpSp>
+        <p:nvGrpSpPr>
+          <p:cNvPr id="93" name="Group 92">
+            <a:extLst>
+              <a:ext uri="{FF2B5EF4-FFF2-40B4-BE49-F238E27FC236}">
+                <a16:creationId xmlns:a16="http://schemas.microsoft.com/office/drawing/2014/main" id="{81AABF28-7F98-4440-8353-1F25E9B1C5D0}"/>
+              </a:ext>
+            </a:extLst>
+          </p:cNvPr>
+          <p:cNvGrpSpPr/>
+          <p:nvPr/>
+        </p:nvGrpSpPr>
+        <p:grpSpPr>
+          <a:xfrm>
+            <a:off x="8154623" y="5261227"/>
+            <a:ext cx="1166881" cy="768023"/>
+            <a:chOff x="7583612" y="4627816"/>
+            <a:chExt cx="1166881" cy="768023"/>
+          </a:xfrm>
+        </p:grpSpPr>
+        <p:sp>
+          <p:nvSpPr>
+            <p:cNvPr id="94" name="TextBox 18">
+              <a:extLst>
+                <a:ext uri="{FF2B5EF4-FFF2-40B4-BE49-F238E27FC236}">
+                  <a16:creationId xmlns:a16="http://schemas.microsoft.com/office/drawing/2014/main" id="{30E27A0F-6D83-1C4A-A4B3-1BA8B21F7B9F}"/>
+                </a:ext>
+              </a:extLst>
+            </p:cNvPr>
+            <p:cNvSpPr txBox="1">
+              <a:spLocks noChangeArrowheads="1"/>
+            </p:cNvSpPr>
+            <p:nvPr/>
+          </p:nvSpPr>
+          <p:spPr bwMode="auto">
+            <a:xfrm>
+              <a:off x="7583612" y="5134229"/>
+              <a:ext cx="1166881" cy="261610"/>
+            </a:xfrm>
+            <a:prstGeom prst="rect">
+              <a:avLst/>
+            </a:prstGeom>
+            <a:noFill/>
+            <a:ln>
+              <a:noFill/>
+            </a:ln>
+            <a:extLst>
+              <a:ext uri="{909E8E84-426E-40DD-AFC4-6F175D3DCCD1}">
+                <a14:hiddenFill xmlns:a14="http://schemas.microsoft.com/office/drawing/2010/main">
+                  <a:solidFill>
+                    <a:srgbClr val="FFFFFF"/>
+                  </a:solidFill>
+                </a14:hiddenFill>
+              </a:ext>
+              <a:ext uri="{91240B29-F687-4F45-9708-019B960494DF}">
+                <a14:hiddenLine xmlns:a14="http://schemas.microsoft.com/office/drawing/2010/main" w="9525">
+                  <a:solidFill>
+                    <a:srgbClr val="000000"/>
+                  </a:solidFill>
+                  <a:miter lim="800000"/>
+                  <a:headEnd/>
+                  <a:tailEnd/>
+                </a14:hiddenLine>
+              </a:ext>
+            </a:extLst>
+          </p:spPr>
+          <p:txBody>
+            <a:bodyPr wrap="square">
+              <a:spAutoFit/>
+            </a:bodyPr>
+            <a:lstStyle>
+              <a:lvl1pPr>
+                <a:defRPr>
+                  <a:solidFill>
+                    <a:schemeClr val="tx1"/>
+                  </a:solidFill>
+                  <a:latin typeface="Calibri" panose="020F0502020204030204" pitchFamily="34" charset="0"/>
+                </a:defRPr>
+              </a:lvl1pPr>
+              <a:lvl2pPr marL="742950" indent="-285750">
+                <a:defRPr>
+                  <a:solidFill>
+                    <a:schemeClr val="tx1"/>
+                  </a:solidFill>
+                  <a:latin typeface="Calibri" panose="020F0502020204030204" pitchFamily="34" charset="0"/>
+                </a:defRPr>
+              </a:lvl2pPr>
+              <a:lvl3pPr marL="1143000" indent="-228600">
+                <a:defRPr>
+                  <a:solidFill>
+                    <a:schemeClr val="tx1"/>
+                  </a:solidFill>
+                  <a:latin typeface="Calibri" panose="020F0502020204030204" pitchFamily="34" charset="0"/>
+                </a:defRPr>
+              </a:lvl3pPr>
+              <a:lvl4pPr marL="1600200" indent="-228600">
+                <a:defRPr>
+                  <a:solidFill>
+                    <a:schemeClr val="tx1"/>
+                  </a:solidFill>
+                  <a:latin typeface="Calibri" panose="020F0502020204030204" pitchFamily="34" charset="0"/>
+                </a:defRPr>
+              </a:lvl4pPr>
+              <a:lvl5pPr marL="2057400" indent="-228600">
+                <a:defRPr>
+                  <a:solidFill>
+                    <a:schemeClr val="tx1"/>
+                  </a:solidFill>
+                  <a:latin typeface="Calibri" panose="020F0502020204030204" pitchFamily="34" charset="0"/>
+                </a:defRPr>
+              </a:lvl5pPr>
+              <a:lvl6pPr marL="2514600" indent="-228600" eaLnBrk="0" fontAlgn="base" hangingPunct="0">
+                <a:spcBef>
+                  <a:spcPct val="0"/>
+                </a:spcBef>
+                <a:spcAft>
+                  <a:spcPct val="0"/>
+                </a:spcAft>
+                <a:defRPr>
+                  <a:solidFill>
+                    <a:schemeClr val="tx1"/>
+                  </a:solidFill>
+                  <a:latin typeface="Calibri" panose="020F0502020204030204" pitchFamily="34" charset="0"/>
+                </a:defRPr>
+              </a:lvl6pPr>
+              <a:lvl7pPr marL="2971800" indent="-228600" eaLnBrk="0" fontAlgn="base" hangingPunct="0">
+                <a:spcBef>
+                  <a:spcPct val="0"/>
+                </a:spcBef>
+                <a:spcAft>
+                  <a:spcPct val="0"/>
+                </a:spcAft>
+                <a:defRPr>
+                  <a:solidFill>
+                    <a:schemeClr val="tx1"/>
+                  </a:solidFill>
+                  <a:latin typeface="Calibri" panose="020F0502020204030204" pitchFamily="34" charset="0"/>
+                </a:defRPr>
+              </a:lvl7pPr>
+              <a:lvl8pPr marL="3429000" indent="-228600" eaLnBrk="0" fontAlgn="base" hangingPunct="0">
+                <a:spcBef>
+                  <a:spcPct val="0"/>
+                </a:spcBef>
+                <a:spcAft>
+                  <a:spcPct val="0"/>
+                </a:spcAft>
+                <a:defRPr>
+                  <a:solidFill>
+                    <a:schemeClr val="tx1"/>
+                  </a:solidFill>
+                  <a:latin typeface="Calibri" panose="020F0502020204030204" pitchFamily="34" charset="0"/>
+                </a:defRPr>
+              </a:lvl8pPr>
+              <a:lvl9pPr marL="3886200" indent="-228600" eaLnBrk="0" fontAlgn="base" hangingPunct="0">
+                <a:spcBef>
+                  <a:spcPct val="0"/>
+                </a:spcBef>
+                <a:spcAft>
+                  <a:spcPct val="0"/>
+                </a:spcAft>
+                <a:defRPr>
+                  <a:solidFill>
+                    <a:schemeClr val="tx1"/>
+                  </a:solidFill>
+                  <a:latin typeface="Calibri" panose="020F0502020204030204" pitchFamily="34" charset="0"/>
+                </a:defRPr>
+              </a:lvl9pPr>
+            </a:lstStyle>
+            <a:p>
+              <a:pPr algn="ctr" eaLnBrk="1" hangingPunct="1"/>
+              <a:r>
+                <a:rPr lang="en-US" altLang="en-US" sz="1100" dirty="0">
+                  <a:latin typeface="Arial" panose="020B0604020202020204" pitchFamily="34" charset="0"/>
+                  <a:ea typeface="Amazon Ember" panose="020B0603020204020204" pitchFamily="34" charset="0"/>
+                  <a:cs typeface="Arial" panose="020B0604020202020204" pitchFamily="34" charset="0"/>
+                </a:rPr>
+                <a:t>Data lake</a:t>
+              </a:r>
+            </a:p>
+          </p:txBody>
+        </p:sp>
+        <p:pic>
+          <p:nvPicPr>
+            <p:cNvPr id="95" name="Graphic 6">
+              <a:extLst>
+                <a:ext uri="{FF2B5EF4-FFF2-40B4-BE49-F238E27FC236}">
+                  <a16:creationId xmlns:a16="http://schemas.microsoft.com/office/drawing/2014/main" id="{7B6204B9-C2BD-9A49-91AF-9ADFF11FBB68}"/>
+                </a:ext>
+              </a:extLst>
+            </p:cNvPr>
+            <p:cNvPicPr>
+              <a:picLocks noChangeAspect="1" noChangeArrowheads="1"/>
+            </p:cNvPicPr>
+            <p:nvPr/>
+          </p:nvPicPr>
+          <p:blipFill>
+            <a:blip r:embed="rId9">
+              <a:extLst>
+                <a:ext uri="{28A0092B-C50C-407E-A947-70E740481C1C}">
+                  <a14:useLocalDpi xmlns:a14="http://schemas.microsoft.com/office/drawing/2010/main" val="0"/>
+                </a:ext>
+              </a:extLst>
+            </a:blip>
+            <a:srcRect/>
+            <a:stretch>
+              <a:fillRect/>
+            </a:stretch>
+          </p:blipFill>
+          <p:spPr bwMode="auto">
+            <a:xfrm>
+              <a:off x="7966999" y="4627816"/>
+              <a:ext cx="457200" cy="457200"/>
+            </a:xfrm>
+            <a:prstGeom prst="rect">
+              <a:avLst/>
+            </a:prstGeom>
+            <a:noFill/>
+            <a:ln>
+              <a:noFill/>
+            </a:ln>
+            <a:extLst>
+              <a:ext uri="{909E8E84-426E-40DD-AFC4-6F175D3DCCD1}">
+                <a14:hiddenFill xmlns:a14="http://schemas.microsoft.com/office/drawing/2010/main">
+                  <a:solidFill>
+                    <a:srgbClr val="FFFFFF"/>
+                  </a:solidFill>
+                </a14:hiddenFill>
+              </a:ext>
+              <a:ext uri="{91240B29-F687-4F45-9708-019B960494DF}">
+                <a14:hiddenLine xmlns:a14="http://schemas.microsoft.com/office/drawing/2010/main" w="9525">
+                  <a:solidFill>
+                    <a:srgbClr val="000000"/>
+                  </a:solidFill>
+                  <a:miter lim="800000"/>
+                  <a:headEnd/>
+                  <a:tailEnd/>
+                </a14:hiddenLine>
+              </a:ext>
+            </a:extLst>
+          </p:spPr>
+        </p:pic>
+      </p:grpSp>
+      <p:grpSp>
+        <p:nvGrpSpPr>
+          <p:cNvPr id="96" name="Group 95">
+            <a:extLst>
+              <a:ext uri="{FF2B5EF4-FFF2-40B4-BE49-F238E27FC236}">
+                <a16:creationId xmlns:a16="http://schemas.microsoft.com/office/drawing/2014/main" id="{BF3BDD97-9F2A-6744-9964-F2B6828CDC73}"/>
+              </a:ext>
+            </a:extLst>
+          </p:cNvPr>
+          <p:cNvGrpSpPr/>
+          <p:nvPr/>
+        </p:nvGrpSpPr>
+        <p:grpSpPr>
+          <a:xfrm>
+            <a:off x="9541194" y="5262759"/>
+            <a:ext cx="1300356" cy="750626"/>
+            <a:chOff x="8974814" y="4645213"/>
+            <a:chExt cx="1300356" cy="750626"/>
+          </a:xfrm>
+        </p:grpSpPr>
+        <p:pic>
+          <p:nvPicPr>
+            <p:cNvPr id="97" name="Graphic 18">
+              <a:extLst>
+                <a:ext uri="{FF2B5EF4-FFF2-40B4-BE49-F238E27FC236}">
+                  <a16:creationId xmlns:a16="http://schemas.microsoft.com/office/drawing/2014/main" id="{BF5BB52F-A027-C847-83BB-82E5331A51C8}"/>
+                </a:ext>
+              </a:extLst>
+            </p:cNvPr>
+            <p:cNvPicPr>
+              <a:picLocks noChangeAspect="1" noChangeArrowheads="1"/>
+            </p:cNvPicPr>
+            <p:nvPr/>
+          </p:nvPicPr>
+          <p:blipFill>
+            <a:blip r:embed="rId10">
+              <a:extLst>
+                <a:ext uri="{28A0092B-C50C-407E-A947-70E740481C1C}">
+                  <a14:useLocalDpi xmlns:a14="http://schemas.microsoft.com/office/drawing/2010/main" val="0"/>
+                </a:ext>
+              </a:extLst>
+            </a:blip>
+            <a:srcRect/>
+            <a:stretch>
+              <a:fillRect/>
+            </a:stretch>
+          </p:blipFill>
+          <p:spPr bwMode="auto">
+            <a:xfrm>
+              <a:off x="9310080" y="4645213"/>
+              <a:ext cx="491239" cy="491239"/>
+            </a:xfrm>
+            <a:prstGeom prst="rect">
+              <a:avLst/>
+            </a:prstGeom>
+            <a:noFill/>
+            <a:ln>
+              <a:noFill/>
+            </a:ln>
+            <a:extLst>
+              <a:ext uri="{909E8E84-426E-40DD-AFC4-6F175D3DCCD1}">
+                <a14:hiddenFill xmlns:a14="http://schemas.microsoft.com/office/drawing/2010/main">
+                  <a:solidFill>
+                    <a:srgbClr val="FFFFFF"/>
+                  </a:solidFill>
+                </a14:hiddenFill>
+              </a:ext>
+              <a:ext uri="{91240B29-F687-4F45-9708-019B960494DF}">
+                <a14:hiddenLine xmlns:a14="http://schemas.microsoft.com/office/drawing/2010/main" w="9525">
+                  <a:solidFill>
+                    <a:srgbClr val="000000"/>
+                  </a:solidFill>
+                  <a:miter lim="800000"/>
+                  <a:headEnd/>
+                  <a:tailEnd/>
+                </a14:hiddenLine>
+              </a:ext>
+            </a:extLst>
+          </p:spPr>
+        </p:pic>
+        <p:sp>
+          <p:nvSpPr>
+            <p:cNvPr id="98" name="TextBox 97">
+              <a:extLst>
+                <a:ext uri="{FF2B5EF4-FFF2-40B4-BE49-F238E27FC236}">
+                  <a16:creationId xmlns:a16="http://schemas.microsoft.com/office/drawing/2014/main" id="{E77F90BD-401A-0E48-9851-5E08D53A7CC8}"/>
+                </a:ext>
+              </a:extLst>
+            </p:cNvPr>
+            <p:cNvSpPr txBox="1"/>
+            <p:nvPr/>
+          </p:nvSpPr>
+          <p:spPr>
+            <a:xfrm>
+              <a:off x="8974814" y="5134229"/>
+              <a:ext cx="1300356" cy="261610"/>
+            </a:xfrm>
+            <a:prstGeom prst="rect">
+              <a:avLst/>
+            </a:prstGeom>
+            <a:noFill/>
+          </p:spPr>
+          <p:txBody>
+            <a:bodyPr wrap="none" rtlCol="0">
+              <a:spAutoFit/>
+            </a:bodyPr>
+            <a:lstStyle/>
+            <a:p>
+              <a:r>
+                <a:rPr lang="en-US" sz="1100" dirty="0"/>
+                <a:t>Analytics Solution</a:t>
+              </a:r>
+            </a:p>
+          </p:txBody>
+        </p:sp>
+      </p:grpSp>
+      <p:cxnSp>
+        <p:nvCxnSpPr>
+          <p:cNvPr id="99" name="Elbow Connector 98">
+            <a:extLst>
+              <a:ext uri="{FF2B5EF4-FFF2-40B4-BE49-F238E27FC236}">
+                <a16:creationId xmlns:a16="http://schemas.microsoft.com/office/drawing/2014/main" id="{3A208D7F-ABE9-0F42-9A08-A67985DDE3BC}"/>
+              </a:ext>
+            </a:extLst>
+          </p:cNvPr>
+          <p:cNvCxnSpPr>
+            <a:cxnSpLocks/>
+            <a:stCxn id="79" idx="1"/>
+            <a:endCxn id="125" idx="1"/>
+          </p:cNvCxnSpPr>
+          <p:nvPr/>
+        </p:nvCxnSpPr>
+        <p:spPr>
+          <a:xfrm rot="10800000" flipH="1">
+            <a:off x="1270006" y="4364891"/>
+            <a:ext cx="1201336" cy="1161042"/>
+          </a:xfrm>
+          <a:prstGeom prst="bentConnector3">
+            <a:avLst>
+              <a:gd name="adj1" fmla="val -19029"/>
+            </a:avLst>
+          </a:prstGeom>
+          <a:ln>
+            <a:headEnd type="none"/>
+            <a:tailEnd type="arrow"/>
+          </a:ln>
+        </p:spPr>
+        <p:style>
+          <a:lnRef idx="1">
+            <a:schemeClr val="dk1"/>
+          </a:lnRef>
+          <a:fillRef idx="0">
+            <a:schemeClr val="dk1"/>
+          </a:fillRef>
+          <a:effectRef idx="0">
+            <a:schemeClr val="dk1"/>
+          </a:effectRef>
+          <a:fontRef idx="minor">
+            <a:schemeClr val="tx1"/>
+          </a:fontRef>
+        </p:style>
+      </p:cxnSp>
+      <p:cxnSp>
+        <p:nvCxnSpPr>
+          <p:cNvPr id="100" name="Elbow Connector 99">
+            <a:extLst>
+              <a:ext uri="{FF2B5EF4-FFF2-40B4-BE49-F238E27FC236}">
+                <a16:creationId xmlns:a16="http://schemas.microsoft.com/office/drawing/2014/main" id="{B5FF2C87-9CA0-5143-B810-991EA44E2862}"/>
+              </a:ext>
+            </a:extLst>
+          </p:cNvPr>
+          <p:cNvCxnSpPr>
+            <a:cxnSpLocks/>
+            <a:stCxn id="125" idx="3"/>
+            <a:endCxn id="89" idx="3"/>
+          </p:cNvCxnSpPr>
+          <p:nvPr/>
+        </p:nvCxnSpPr>
+        <p:spPr>
+          <a:xfrm>
+            <a:off x="9710186" y="4364891"/>
+            <a:ext cx="1211810" cy="1166432"/>
+          </a:xfrm>
+          <a:prstGeom prst="bentConnector3">
+            <a:avLst>
+              <a:gd name="adj1" fmla="val 118864"/>
+            </a:avLst>
+          </a:prstGeom>
+          <a:ln>
+            <a:tailEnd type="arrow"/>
+          </a:ln>
+        </p:spPr>
+        <p:style>
+          <a:lnRef idx="1">
+            <a:schemeClr val="dk1"/>
+          </a:lnRef>
+          <a:fillRef idx="0">
+            <a:schemeClr val="dk1"/>
+          </a:fillRef>
+          <a:effectRef idx="0">
+            <a:schemeClr val="dk1"/>
+          </a:effectRef>
+          <a:fontRef idx="minor">
+            <a:schemeClr val="tx1"/>
+          </a:fontRef>
+        </p:style>
+      </p:cxnSp>
+      <p:grpSp>
+        <p:nvGrpSpPr>
+          <p:cNvPr id="103" name="Group 102">
+            <a:extLst>
+              <a:ext uri="{FF2B5EF4-FFF2-40B4-BE49-F238E27FC236}">
+                <a16:creationId xmlns:a16="http://schemas.microsoft.com/office/drawing/2014/main" id="{701D3100-0081-1048-918D-3C2C77AD393A}"/>
+              </a:ext>
+            </a:extLst>
+          </p:cNvPr>
+          <p:cNvGrpSpPr/>
+          <p:nvPr/>
+        </p:nvGrpSpPr>
+        <p:grpSpPr>
+          <a:xfrm>
+            <a:off x="5064369" y="3144311"/>
+            <a:ext cx="2051539" cy="733098"/>
+            <a:chOff x="5064369" y="2425643"/>
+            <a:chExt cx="2051539" cy="733098"/>
+          </a:xfrm>
+        </p:grpSpPr>
+        <p:sp>
+          <p:nvSpPr>
+            <p:cNvPr id="104" name="TextBox 22">
+              <a:extLst>
+                <a:ext uri="{FF2B5EF4-FFF2-40B4-BE49-F238E27FC236}">
+                  <a16:creationId xmlns:a16="http://schemas.microsoft.com/office/drawing/2014/main" id="{52DFED45-9142-4F4D-9AE0-254E7C9EA42E}"/>
+                </a:ext>
+              </a:extLst>
+            </p:cNvPr>
+            <p:cNvSpPr txBox="1">
+              <a:spLocks noChangeArrowheads="1"/>
+            </p:cNvSpPr>
+            <p:nvPr/>
+          </p:nvSpPr>
+          <p:spPr bwMode="auto">
+            <a:xfrm>
+              <a:off x="5064369" y="2897131"/>
+              <a:ext cx="2051539" cy="261610"/>
+            </a:xfrm>
+            <a:prstGeom prst="rect">
+              <a:avLst/>
+            </a:prstGeom>
+            <a:noFill/>
+            <a:ln>
+              <a:noFill/>
+            </a:ln>
+            <a:extLst>
+              <a:ext uri="{909E8E84-426E-40DD-AFC4-6F175D3DCCD1}">
+                <a14:hiddenFill xmlns:a14="http://schemas.microsoft.com/office/drawing/2010/main">
+                  <a:solidFill>
+                    <a:srgbClr val="FFFFFF"/>
+                  </a:solidFill>
+                </a14:hiddenFill>
+              </a:ext>
+              <a:ext uri="{91240B29-F687-4F45-9708-019B960494DF}">
+                <a14:hiddenLine xmlns:a14="http://schemas.microsoft.com/office/drawing/2010/main" w="9525">
+                  <a:solidFill>
+                    <a:srgbClr val="000000"/>
+                  </a:solidFill>
+                  <a:miter lim="800000"/>
+                  <a:headEnd/>
+                  <a:tailEnd/>
+                </a14:hiddenLine>
+              </a:ext>
+            </a:extLst>
+          </p:spPr>
+          <p:txBody>
+            <a:bodyPr wrap="square">
+              <a:spAutoFit/>
+            </a:bodyPr>
+            <a:lstStyle>
+              <a:lvl1pPr>
+                <a:defRPr>
+                  <a:solidFill>
+                    <a:schemeClr val="tx1"/>
+                  </a:solidFill>
+                  <a:latin typeface="Calibri" panose="020F0502020204030204" pitchFamily="34" charset="0"/>
+                </a:defRPr>
+              </a:lvl1pPr>
+              <a:lvl2pPr marL="742950" indent="-285750">
+                <a:defRPr>
+                  <a:solidFill>
+                    <a:schemeClr val="tx1"/>
+                  </a:solidFill>
+                  <a:latin typeface="Calibri" panose="020F0502020204030204" pitchFamily="34" charset="0"/>
+                </a:defRPr>
+              </a:lvl2pPr>
+              <a:lvl3pPr marL="1143000" indent="-228600">
+                <a:defRPr>
+                  <a:solidFill>
+                    <a:schemeClr val="tx1"/>
+                  </a:solidFill>
+                  <a:latin typeface="Calibri" panose="020F0502020204030204" pitchFamily="34" charset="0"/>
+                </a:defRPr>
+              </a:lvl3pPr>
+              <a:lvl4pPr marL="1600200" indent="-228600">
+                <a:defRPr>
+                  <a:solidFill>
+                    <a:schemeClr val="tx1"/>
+                  </a:solidFill>
+                  <a:latin typeface="Calibri" panose="020F0502020204030204" pitchFamily="34" charset="0"/>
+                </a:defRPr>
+              </a:lvl4pPr>
+              <a:lvl5pPr marL="2057400" indent="-228600">
+                <a:defRPr>
+                  <a:solidFill>
+                    <a:schemeClr val="tx1"/>
+                  </a:solidFill>
+                  <a:latin typeface="Calibri" panose="020F0502020204030204" pitchFamily="34" charset="0"/>
+                </a:defRPr>
+              </a:lvl5pPr>
+              <a:lvl6pPr marL="2514600" indent="-228600" eaLnBrk="0" fontAlgn="base" hangingPunct="0">
+                <a:spcBef>
+                  <a:spcPct val="0"/>
+                </a:spcBef>
+                <a:spcAft>
+                  <a:spcPct val="0"/>
+                </a:spcAft>
+                <a:defRPr>
+                  <a:solidFill>
+                    <a:schemeClr val="tx1"/>
+                  </a:solidFill>
+                  <a:latin typeface="Calibri" panose="020F0502020204030204" pitchFamily="34" charset="0"/>
+                </a:defRPr>
+              </a:lvl6pPr>
+              <a:lvl7pPr marL="2971800" indent="-228600" eaLnBrk="0" fontAlgn="base" hangingPunct="0">
+                <a:spcBef>
+                  <a:spcPct val="0"/>
+                </a:spcBef>
+                <a:spcAft>
+                  <a:spcPct val="0"/>
+                </a:spcAft>
+                <a:defRPr>
+                  <a:solidFill>
+                    <a:schemeClr val="tx1"/>
+                  </a:solidFill>
+                  <a:latin typeface="Calibri" panose="020F0502020204030204" pitchFamily="34" charset="0"/>
+                </a:defRPr>
+              </a:lvl7pPr>
+              <a:lvl8pPr marL="3429000" indent="-228600" eaLnBrk="0" fontAlgn="base" hangingPunct="0">
+                <a:spcBef>
+                  <a:spcPct val="0"/>
+                </a:spcBef>
+                <a:spcAft>
+                  <a:spcPct val="0"/>
+                </a:spcAft>
+                <a:defRPr>
+                  <a:solidFill>
+                    <a:schemeClr val="tx1"/>
+                  </a:solidFill>
+                  <a:latin typeface="Calibri" panose="020F0502020204030204" pitchFamily="34" charset="0"/>
+                </a:defRPr>
+              </a:lvl8pPr>
+              <a:lvl9pPr marL="3886200" indent="-228600" eaLnBrk="0" fontAlgn="base" hangingPunct="0">
+                <a:spcBef>
+                  <a:spcPct val="0"/>
+                </a:spcBef>
+                <a:spcAft>
+                  <a:spcPct val="0"/>
+                </a:spcAft>
+                <a:defRPr>
+                  <a:solidFill>
+                    <a:schemeClr val="tx1"/>
+                  </a:solidFill>
+                  <a:latin typeface="Calibri" panose="020F0502020204030204" pitchFamily="34" charset="0"/>
+                </a:defRPr>
+              </a:lvl9pPr>
+            </a:lstStyle>
+            <a:p>
+              <a:pPr algn="ctr" eaLnBrk="1" hangingPunct="1"/>
+              <a:r>
+                <a:rPr lang="en-US" altLang="en-US" sz="1100" dirty="0">
+                  <a:latin typeface="Arial" panose="020B0604020202020204" pitchFamily="34" charset="0"/>
+                  <a:ea typeface="Amazon Ember" panose="020B0603020204020204" pitchFamily="34" charset="0"/>
+                  <a:cs typeface="Arial" panose="020B0604020202020204" pitchFamily="34" charset="0"/>
+                </a:rPr>
+                <a:t>Network Load Balancer</a:t>
+              </a:r>
+            </a:p>
+          </p:txBody>
+        </p:sp>
+        <p:pic>
+          <p:nvPicPr>
+            <p:cNvPr id="105" name="Graphic 24">
+              <a:extLst>
+                <a:ext uri="{FF2B5EF4-FFF2-40B4-BE49-F238E27FC236}">
+                  <a16:creationId xmlns:a16="http://schemas.microsoft.com/office/drawing/2014/main" id="{1C273FCC-0D02-3340-B937-BC34066665C6}"/>
+                </a:ext>
+              </a:extLst>
+            </p:cNvPr>
+            <p:cNvPicPr>
+              <a:picLocks noChangeAspect="1" noChangeArrowheads="1"/>
+            </p:cNvPicPr>
+            <p:nvPr/>
+          </p:nvPicPr>
+          <p:blipFill>
+            <a:blip r:embed="rId11">
+              <a:extLst>
+                <a:ext uri="{28A0092B-C50C-407E-A947-70E740481C1C}">
+                  <a14:useLocalDpi xmlns:a14="http://schemas.microsoft.com/office/drawing/2010/main" val="0"/>
+                </a:ext>
+              </a:extLst>
+            </a:blip>
+            <a:srcRect/>
+            <a:stretch>
+              <a:fillRect/>
+            </a:stretch>
+          </p:blipFill>
+          <p:spPr bwMode="auto">
+            <a:xfrm>
+              <a:off x="5858564" y="2425643"/>
+              <a:ext cx="457200" cy="457200"/>
+            </a:xfrm>
+            <a:prstGeom prst="rect">
+              <a:avLst/>
+            </a:prstGeom>
+            <a:noFill/>
+            <a:ln>
+              <a:noFill/>
+            </a:ln>
+            <a:extLst>
+              <a:ext uri="{909E8E84-426E-40DD-AFC4-6F175D3DCCD1}">
+                <a14:hiddenFill xmlns:a14="http://schemas.microsoft.com/office/drawing/2010/main">
+                  <a:solidFill>
+                    <a:srgbClr val="FFFFFF"/>
+                  </a:solidFill>
+                </a14:hiddenFill>
+              </a:ext>
+              <a:ext uri="{91240B29-F687-4F45-9708-019B960494DF}">
+                <a14:hiddenLine xmlns:a14="http://schemas.microsoft.com/office/drawing/2010/main" w="9525">
+                  <a:solidFill>
+                    <a:srgbClr val="000000"/>
+                  </a:solidFill>
+                  <a:miter lim="800000"/>
+                  <a:headEnd/>
+                  <a:tailEnd/>
+                </a14:hiddenLine>
+              </a:ext>
+            </a:extLst>
+          </p:spPr>
+        </p:pic>
+      </p:grpSp>
+      <p:grpSp>
+        <p:nvGrpSpPr>
+          <p:cNvPr id="112" name="Group 111">
+            <a:extLst>
+              <a:ext uri="{FF2B5EF4-FFF2-40B4-BE49-F238E27FC236}">
+                <a16:creationId xmlns:a16="http://schemas.microsoft.com/office/drawing/2014/main" id="{56A98C6B-7936-7744-BC4D-76252A1A9189}"/>
+              </a:ext>
+            </a:extLst>
+          </p:cNvPr>
+          <p:cNvGrpSpPr/>
+          <p:nvPr/>
+        </p:nvGrpSpPr>
+        <p:grpSpPr>
+          <a:xfrm>
+            <a:off x="5037372" y="1409627"/>
+            <a:ext cx="2168769" cy="736272"/>
+            <a:chOff x="3071446" y="1632804"/>
+            <a:chExt cx="2168769" cy="736272"/>
+          </a:xfrm>
+        </p:grpSpPr>
+        <p:sp>
+          <p:nvSpPr>
+            <p:cNvPr id="113" name="TextBox 19">
+              <a:extLst>
+                <a:ext uri="{FF2B5EF4-FFF2-40B4-BE49-F238E27FC236}">
+                  <a16:creationId xmlns:a16="http://schemas.microsoft.com/office/drawing/2014/main" id="{56F2BDF1-F9A2-D54A-AFC1-58D34FE4A578}"/>
+                </a:ext>
+              </a:extLst>
+            </p:cNvPr>
+            <p:cNvSpPr txBox="1">
+              <a:spLocks noChangeArrowheads="1"/>
+            </p:cNvSpPr>
+            <p:nvPr/>
+          </p:nvSpPr>
+          <p:spPr bwMode="auto">
+            <a:xfrm>
+              <a:off x="3071446" y="2107466"/>
+              <a:ext cx="2168769" cy="261610"/>
+            </a:xfrm>
+            <a:prstGeom prst="rect">
+              <a:avLst/>
+            </a:prstGeom>
+            <a:noFill/>
+            <a:ln>
+              <a:noFill/>
+            </a:ln>
+            <a:extLst>
+              <a:ext uri="{909E8E84-426E-40DD-AFC4-6F175D3DCCD1}">
+                <a14:hiddenFill xmlns:a14="http://schemas.microsoft.com/office/drawing/2010/main">
+                  <a:solidFill>
+                    <a:srgbClr val="FFFFFF"/>
+                  </a:solidFill>
+                </a14:hiddenFill>
+              </a:ext>
+              <a:ext uri="{91240B29-F687-4F45-9708-019B960494DF}">
+                <a14:hiddenLine xmlns:a14="http://schemas.microsoft.com/office/drawing/2010/main" w="9525">
+                  <a:solidFill>
+                    <a:srgbClr val="000000"/>
+                  </a:solidFill>
+                  <a:miter lim="800000"/>
+                  <a:headEnd/>
+                  <a:tailEnd/>
+                </a14:hiddenLine>
+              </a:ext>
+            </a:extLst>
+          </p:spPr>
+          <p:txBody>
+            <a:bodyPr wrap="square">
+              <a:spAutoFit/>
+            </a:bodyPr>
+            <a:lstStyle>
+              <a:lvl1pPr>
+                <a:defRPr>
+                  <a:solidFill>
+                    <a:schemeClr val="tx1"/>
+                  </a:solidFill>
+                  <a:latin typeface="Calibri" panose="020F0502020204030204" pitchFamily="34" charset="0"/>
+                </a:defRPr>
+              </a:lvl1pPr>
+              <a:lvl2pPr marL="742950" indent="-285750">
+                <a:defRPr>
+                  <a:solidFill>
+                    <a:schemeClr val="tx1"/>
+                  </a:solidFill>
+                  <a:latin typeface="Calibri" panose="020F0502020204030204" pitchFamily="34" charset="0"/>
+                </a:defRPr>
+              </a:lvl2pPr>
+              <a:lvl3pPr marL="1143000" indent="-228600">
+                <a:defRPr>
+                  <a:solidFill>
+                    <a:schemeClr val="tx1"/>
+                  </a:solidFill>
+                  <a:latin typeface="Calibri" panose="020F0502020204030204" pitchFamily="34" charset="0"/>
+                </a:defRPr>
+              </a:lvl3pPr>
+              <a:lvl4pPr marL="1600200" indent="-228600">
+                <a:defRPr>
+                  <a:solidFill>
+                    <a:schemeClr val="tx1"/>
+                  </a:solidFill>
+                  <a:latin typeface="Calibri" panose="020F0502020204030204" pitchFamily="34" charset="0"/>
+                </a:defRPr>
+              </a:lvl4pPr>
+              <a:lvl5pPr marL="2057400" indent="-228600">
+                <a:defRPr>
+                  <a:solidFill>
+                    <a:schemeClr val="tx1"/>
+                  </a:solidFill>
+                  <a:latin typeface="Calibri" panose="020F0502020204030204" pitchFamily="34" charset="0"/>
+                </a:defRPr>
+              </a:lvl5pPr>
+              <a:lvl6pPr marL="2514600" indent="-228600" eaLnBrk="0" fontAlgn="base" hangingPunct="0">
+                <a:spcBef>
+                  <a:spcPct val="0"/>
+                </a:spcBef>
+                <a:spcAft>
+                  <a:spcPct val="0"/>
+                </a:spcAft>
+                <a:defRPr>
+                  <a:solidFill>
+                    <a:schemeClr val="tx1"/>
+                  </a:solidFill>
+                  <a:latin typeface="Calibri" panose="020F0502020204030204" pitchFamily="34" charset="0"/>
+                </a:defRPr>
+              </a:lvl6pPr>
+              <a:lvl7pPr marL="2971800" indent="-228600" eaLnBrk="0" fontAlgn="base" hangingPunct="0">
+                <a:spcBef>
+                  <a:spcPct val="0"/>
+                </a:spcBef>
+                <a:spcAft>
+                  <a:spcPct val="0"/>
+                </a:spcAft>
+                <a:defRPr>
+                  <a:solidFill>
+                    <a:schemeClr val="tx1"/>
+                  </a:solidFill>
+                  <a:latin typeface="Calibri" panose="020F0502020204030204" pitchFamily="34" charset="0"/>
+                </a:defRPr>
+              </a:lvl7pPr>
+              <a:lvl8pPr marL="3429000" indent="-228600" eaLnBrk="0" fontAlgn="base" hangingPunct="0">
+                <a:spcBef>
+                  <a:spcPct val="0"/>
+                </a:spcBef>
+                <a:spcAft>
+                  <a:spcPct val="0"/>
+                </a:spcAft>
+                <a:defRPr>
+                  <a:solidFill>
+                    <a:schemeClr val="tx1"/>
+                  </a:solidFill>
+                  <a:latin typeface="Calibri" panose="020F0502020204030204" pitchFamily="34" charset="0"/>
+                </a:defRPr>
+              </a:lvl8pPr>
+              <a:lvl9pPr marL="3886200" indent="-228600" eaLnBrk="0" fontAlgn="base" hangingPunct="0">
+                <a:spcBef>
+                  <a:spcPct val="0"/>
+                </a:spcBef>
+                <a:spcAft>
+                  <a:spcPct val="0"/>
+                </a:spcAft>
+                <a:defRPr>
+                  <a:solidFill>
+                    <a:schemeClr val="tx1"/>
+                  </a:solidFill>
+                  <a:latin typeface="Calibri" panose="020F0502020204030204" pitchFamily="34" charset="0"/>
+                </a:defRPr>
+              </a:lvl9pPr>
+            </a:lstStyle>
+            <a:p>
+              <a:pPr algn="ctr" eaLnBrk="1" hangingPunct="1"/>
+              <a:r>
+                <a:rPr lang="en-US" altLang="en-US" sz="1100" dirty="0">
+                  <a:latin typeface="Arial" panose="020B0604020202020204" pitchFamily="34" charset="0"/>
+                  <a:ea typeface="Amazon Ember" panose="020B0603020204020204" pitchFamily="34" charset="0"/>
+                  <a:cs typeface="Arial" panose="020B0604020202020204" pitchFamily="34" charset="0"/>
+                </a:rPr>
+                <a:t>Application Load Balancer</a:t>
+              </a:r>
+            </a:p>
+          </p:txBody>
+        </p:sp>
+        <p:pic>
+          <p:nvPicPr>
+            <p:cNvPr id="114" name="Graphic 8">
+              <a:extLst>
+                <a:ext uri="{FF2B5EF4-FFF2-40B4-BE49-F238E27FC236}">
+                  <a16:creationId xmlns:a16="http://schemas.microsoft.com/office/drawing/2014/main" id="{4E8E2FCE-8C70-2D42-B954-6F3EAB5A49C3}"/>
+                </a:ext>
+              </a:extLst>
+            </p:cNvPr>
+            <p:cNvPicPr>
+              <a:picLocks noChangeAspect="1" noChangeArrowheads="1"/>
+            </p:cNvPicPr>
+            <p:nvPr/>
+          </p:nvPicPr>
+          <p:blipFill>
+            <a:blip r:embed="rId12">
+              <a:extLst>
+                <a:ext uri="{28A0092B-C50C-407E-A947-70E740481C1C}">
+                  <a14:useLocalDpi xmlns:a14="http://schemas.microsoft.com/office/drawing/2010/main" val="0"/>
+                </a:ext>
+              </a:extLst>
+            </a:blip>
+            <a:srcRect/>
+            <a:stretch>
+              <a:fillRect/>
+            </a:stretch>
+          </p:blipFill>
+          <p:spPr bwMode="auto">
+            <a:xfrm>
+              <a:off x="3902807" y="1632804"/>
+              <a:ext cx="457200" cy="457200"/>
+            </a:xfrm>
+            <a:prstGeom prst="rect">
+              <a:avLst/>
+            </a:prstGeom>
+            <a:noFill/>
+            <a:ln>
+              <a:noFill/>
+            </a:ln>
+            <a:extLst>
+              <a:ext uri="{909E8E84-426E-40DD-AFC4-6F175D3DCCD1}">
+                <a14:hiddenFill xmlns:a14="http://schemas.microsoft.com/office/drawing/2010/main">
+                  <a:solidFill>
+                    <a:srgbClr val="FFFFFF"/>
+                  </a:solidFill>
+                </a14:hiddenFill>
+              </a:ext>
+              <a:ext uri="{91240B29-F687-4F45-9708-019B960494DF}">
+                <a14:hiddenLine xmlns:a14="http://schemas.microsoft.com/office/drawing/2010/main" w="9525">
+                  <a:solidFill>
+                    <a:srgbClr val="000000"/>
+                  </a:solidFill>
+                  <a:miter lim="800000"/>
+                  <a:headEnd/>
+                  <a:tailEnd/>
+                </a14:hiddenLine>
+              </a:ext>
+            </a:extLst>
+          </p:spPr>
+        </p:pic>
+      </p:grpSp>
+      <p:grpSp>
+        <p:nvGrpSpPr>
+          <p:cNvPr id="115" name="Group 114">
+            <a:extLst>
+              <a:ext uri="{FF2B5EF4-FFF2-40B4-BE49-F238E27FC236}">
+                <a16:creationId xmlns:a16="http://schemas.microsoft.com/office/drawing/2014/main" id="{F17EBFD2-E48C-B94C-AC42-DAC74CD40B30}"/>
+              </a:ext>
+            </a:extLst>
+          </p:cNvPr>
+          <p:cNvGrpSpPr/>
+          <p:nvPr/>
+        </p:nvGrpSpPr>
+        <p:grpSpPr>
+          <a:xfrm>
+            <a:off x="1496515" y="1536007"/>
+            <a:ext cx="978153" cy="888093"/>
+            <a:chOff x="-257908" y="1625111"/>
+            <a:chExt cx="978153" cy="888093"/>
+          </a:xfrm>
+        </p:grpSpPr>
+        <p:pic>
+          <p:nvPicPr>
+            <p:cNvPr id="116" name="Graphic 6">
+              <a:extLst>
+                <a:ext uri="{FF2B5EF4-FFF2-40B4-BE49-F238E27FC236}">
+                  <a16:creationId xmlns:a16="http://schemas.microsoft.com/office/drawing/2014/main" id="{CC15FC35-2C3D-0E40-9977-43C058215918}"/>
+                </a:ext>
+              </a:extLst>
+            </p:cNvPr>
+            <p:cNvPicPr>
+              <a:picLocks noChangeAspect="1" noChangeArrowheads="1"/>
+            </p:cNvPicPr>
+            <p:nvPr/>
+          </p:nvPicPr>
+          <p:blipFill>
+            <a:blip r:embed="rId13">
+              <a:extLst>
+                <a:ext uri="{96DAC541-7B7A-43D3-8B79-37D633B846F1}">
+                  <asvg:svgBlip xmlns:asvg="http://schemas.microsoft.com/office/drawing/2016/SVG/main" r:embed="rId14"/>
+                </a:ext>
+              </a:extLst>
+            </a:blip>
+            <a:srcRect/>
+            <a:stretch/>
+          </p:blipFill>
+          <p:spPr bwMode="auto">
+            <a:xfrm flipH="1">
+              <a:off x="-12883" y="1625111"/>
+              <a:ext cx="469900" cy="469900"/>
+            </a:xfrm>
+            <a:prstGeom prst="rect">
+              <a:avLst/>
+            </a:prstGeom>
+            <a:noFill/>
+            <a:ln>
+              <a:noFill/>
+            </a:ln>
+            <a:extLst>
+              <a:ext uri="{909E8E84-426E-40DD-AFC4-6F175D3DCCD1}">
+                <a14:hiddenFill xmlns:a14="http://schemas.microsoft.com/office/drawing/2010/main">
+                  <a:solidFill>
+                    <a:srgbClr val="FFFFFF"/>
+                  </a:solidFill>
+                </a14:hiddenFill>
+              </a:ext>
+              <a:ext uri="{91240B29-F687-4F45-9708-019B960494DF}">
+                <a14:hiddenLine xmlns:a14="http://schemas.microsoft.com/office/drawing/2010/main" w="9525">
+                  <a:solidFill>
+                    <a:srgbClr val="000000"/>
+                  </a:solidFill>
+                  <a:miter lim="800000"/>
+                  <a:headEnd/>
+                  <a:tailEnd/>
+                </a14:hiddenLine>
+              </a:ext>
+            </a:extLst>
+          </p:spPr>
+        </p:pic>
+        <p:sp>
+          <p:nvSpPr>
+            <p:cNvPr id="117" name="TextBox 116">
+              <a:extLst>
+                <a:ext uri="{FF2B5EF4-FFF2-40B4-BE49-F238E27FC236}">
+                  <a16:creationId xmlns:a16="http://schemas.microsoft.com/office/drawing/2014/main" id="{0B4DF9A9-A06C-C84A-881D-7488506713F9}"/>
+                </a:ext>
+              </a:extLst>
+            </p:cNvPr>
+            <p:cNvSpPr txBox="1"/>
+            <p:nvPr/>
+          </p:nvSpPr>
+          <p:spPr>
+            <a:xfrm>
+              <a:off x="-257908" y="2051539"/>
+              <a:ext cx="978153" cy="461665"/>
+            </a:xfrm>
+            <a:prstGeom prst="rect">
+              <a:avLst/>
+            </a:prstGeom>
+            <a:noFill/>
+          </p:spPr>
+          <p:txBody>
+            <a:bodyPr wrap="none" rtlCol="0">
+              <a:spAutoFit/>
+            </a:bodyPr>
+            <a:lstStyle/>
+            <a:p>
+              <a:pPr algn="ctr"/>
+              <a:r>
+                <a:rPr lang="en-US" sz="1200" dirty="0"/>
+                <a:t>LogStream </a:t>
+              </a:r>
+            </a:p>
+            <a:p>
+              <a:pPr algn="ctr"/>
+              <a:r>
+                <a:rPr lang="en-US" sz="1200" dirty="0"/>
+                <a:t>Users</a:t>
+              </a:r>
+            </a:p>
+          </p:txBody>
+        </p:sp>
+      </p:grpSp>
+      <p:sp>
+        <p:nvSpPr>
+          <p:cNvPr id="58" name="TextBox 18">
+            <a:extLst>
+              <a:ext uri="{FF2B5EF4-FFF2-40B4-BE49-F238E27FC236}">
+                <a16:creationId xmlns:a16="http://schemas.microsoft.com/office/drawing/2014/main" id="{80F6902C-BBB5-3144-8705-BB7F85594DF0}"/>
+              </a:ext>
+            </a:extLst>
+          </p:cNvPr>
+          <p:cNvSpPr txBox="1">
+            <a:spLocks noChangeArrowheads="1"/>
+          </p:cNvSpPr>
+          <p:nvPr/>
+        </p:nvSpPr>
+        <p:spPr bwMode="auto">
+          <a:xfrm>
+            <a:off x="3112712" y="2688601"/>
+            <a:ext cx="1767152" cy="261610"/>
+          </a:xfrm>
+          <a:prstGeom prst="rect">
+            <a:avLst/>
+          </a:prstGeom>
+          <a:noFill/>
+          <a:ln>
+            <a:noFill/>
+          </a:ln>
+          <a:extLst>
+            <a:ext uri="{909E8E84-426E-40DD-AFC4-6F175D3DCCD1}">
+              <a14:hiddenFill xmlns:a14="http://schemas.microsoft.com/office/drawing/2010/main">
+                <a:solidFill>
+                  <a:srgbClr val="FFFFFF"/>
+                </a:solidFill>
+              </a14:hiddenFill>
+            </a:ext>
+            <a:ext uri="{91240B29-F687-4F45-9708-019B960494DF}">
+              <a14:hiddenLine xmlns:a14="http://schemas.microsoft.com/office/drawing/2010/main" w="9525">
+                <a:solidFill>
+                  <a:srgbClr val="000000"/>
+                </a:solidFill>
+                <a:miter lim="800000"/>
+                <a:headEnd/>
+                <a:tailEnd/>
+              </a14:hiddenLine>
+            </a:ext>
+          </a:extLst>
+        </p:spPr>
+        <p:txBody>
+          <a:bodyPr>
+            <a:spAutoFit/>
+          </a:bodyPr>
+          <a:lstStyle>
+            <a:lvl1pPr>
+              <a:defRPr>
+                <a:solidFill>
+                  <a:schemeClr val="tx1"/>
+                </a:solidFill>
+                <a:latin typeface="Calibri" panose="020F0502020204030204" pitchFamily="34" charset="0"/>
+              </a:defRPr>
+            </a:lvl1pPr>
+            <a:lvl2pPr marL="742950" indent="-285750">
+              <a:defRPr>
+                <a:solidFill>
+                  <a:schemeClr val="tx1"/>
+                </a:solidFill>
+                <a:latin typeface="Calibri" panose="020F0502020204030204" pitchFamily="34" charset="0"/>
+              </a:defRPr>
+            </a:lvl2pPr>
+            <a:lvl3pPr marL="1143000" indent="-228600">
+              <a:defRPr>
+                <a:solidFill>
+                  <a:schemeClr val="tx1"/>
+                </a:solidFill>
+                <a:latin typeface="Calibri" panose="020F0502020204030204" pitchFamily="34" charset="0"/>
+              </a:defRPr>
+            </a:lvl3pPr>
+            <a:lvl4pPr marL="1600200" indent="-228600">
+              <a:defRPr>
+                <a:solidFill>
+                  <a:schemeClr val="tx1"/>
+                </a:solidFill>
+                <a:latin typeface="Calibri" panose="020F0502020204030204" pitchFamily="34" charset="0"/>
+              </a:defRPr>
+            </a:lvl4pPr>
+            <a:lvl5pPr marL="2057400" indent="-228600">
+              <a:defRPr>
+                <a:solidFill>
+                  <a:schemeClr val="tx1"/>
+                </a:solidFill>
+                <a:latin typeface="Calibri" panose="020F0502020204030204" pitchFamily="34" charset="0"/>
+              </a:defRPr>
+            </a:lvl5pPr>
+            <a:lvl6pPr marL="2514600" indent="-228600" eaLnBrk="0" fontAlgn="base" hangingPunct="0">
+              <a:spcBef>
+                <a:spcPct val="0"/>
+              </a:spcBef>
+              <a:spcAft>
+                <a:spcPct val="0"/>
+              </a:spcAft>
+              <a:defRPr>
+                <a:solidFill>
+                  <a:schemeClr val="tx1"/>
+                </a:solidFill>
+                <a:latin typeface="Calibri" panose="020F0502020204030204" pitchFamily="34" charset="0"/>
+              </a:defRPr>
+            </a:lvl6pPr>
+            <a:lvl7pPr marL="2971800" indent="-228600" eaLnBrk="0" fontAlgn="base" hangingPunct="0">
+              <a:spcBef>
+                <a:spcPct val="0"/>
+              </a:spcBef>
+              <a:spcAft>
+                <a:spcPct val="0"/>
+              </a:spcAft>
+              <a:defRPr>
+                <a:solidFill>
+                  <a:schemeClr val="tx1"/>
+                </a:solidFill>
+                <a:latin typeface="Calibri" panose="020F0502020204030204" pitchFamily="34" charset="0"/>
+              </a:defRPr>
+            </a:lvl7pPr>
+            <a:lvl8pPr marL="3429000" indent="-228600" eaLnBrk="0" fontAlgn="base" hangingPunct="0">
+              <a:spcBef>
+                <a:spcPct val="0"/>
+              </a:spcBef>
+              <a:spcAft>
+                <a:spcPct val="0"/>
+              </a:spcAft>
+              <a:defRPr>
+                <a:solidFill>
+                  <a:schemeClr val="tx1"/>
+                </a:solidFill>
+                <a:latin typeface="Calibri" panose="020F0502020204030204" pitchFamily="34" charset="0"/>
+              </a:defRPr>
+            </a:lvl8pPr>
+            <a:lvl9pPr marL="3886200" indent="-228600" eaLnBrk="0" fontAlgn="base" hangingPunct="0">
+              <a:spcBef>
+                <a:spcPct val="0"/>
+              </a:spcBef>
+              <a:spcAft>
+                <a:spcPct val="0"/>
+              </a:spcAft>
+              <a:defRPr>
+                <a:solidFill>
+                  <a:schemeClr val="tx1"/>
+                </a:solidFill>
+                <a:latin typeface="Calibri" panose="020F0502020204030204" pitchFamily="34" charset="0"/>
+              </a:defRPr>
+            </a:lvl9pPr>
+          </a:lstStyle>
+          <a:p>
+            <a:pPr algn="ctr" eaLnBrk="1" hangingPunct="1"/>
+            <a:r>
+              <a:rPr lang="en-US" altLang="en-US" sz="1100" dirty="0">
+                <a:solidFill>
+                  <a:srgbClr val="232F3E"/>
+                </a:solidFill>
+                <a:latin typeface="Arial" panose="020B0604020202020204" pitchFamily="34" charset="0"/>
+                <a:cs typeface="Arial" panose="020B0604020202020204" pitchFamily="34" charset="0"/>
+              </a:rPr>
+              <a:t>LogStream Leader</a:t>
+            </a:r>
+          </a:p>
+        </p:txBody>
+      </p:sp>
+      <p:cxnSp>
+        <p:nvCxnSpPr>
+          <p:cNvPr id="11" name="Elbow Connector 10">
+            <a:extLst>
+              <a:ext uri="{FF2B5EF4-FFF2-40B4-BE49-F238E27FC236}">
+                <a16:creationId xmlns:a16="http://schemas.microsoft.com/office/drawing/2014/main" id="{69D3A834-FA44-1245-8624-BA2F60C0FC3E}"/>
+              </a:ext>
+            </a:extLst>
+          </p:cNvPr>
+          <p:cNvCxnSpPr>
+            <a:stCxn id="116" idx="0"/>
+            <a:endCxn id="114" idx="0"/>
+          </p:cNvCxnSpPr>
+          <p:nvPr/>
+        </p:nvCxnSpPr>
+        <p:spPr>
+          <a:xfrm rot="5400000" flipH="1" flipV="1">
+            <a:off x="3973721" y="-587604"/>
+            <a:ext cx="126380" cy="4120843"/>
+          </a:xfrm>
+          <a:prstGeom prst="bentConnector3">
+            <a:avLst>
+              <a:gd name="adj1" fmla="val 197399"/>
+            </a:avLst>
+          </a:prstGeom>
+          <a:ln>
+            <a:tailEnd type="arrow"/>
+          </a:ln>
+        </p:spPr>
+        <p:style>
+          <a:lnRef idx="1">
+            <a:schemeClr val="dk1"/>
+          </a:lnRef>
+          <a:fillRef idx="0">
+            <a:schemeClr val="dk1"/>
+          </a:fillRef>
+          <a:effectRef idx="0">
+            <a:schemeClr val="dk1"/>
+          </a:effectRef>
+          <a:fontRef idx="minor">
+            <a:schemeClr val="tx1"/>
+          </a:fontRef>
+        </p:style>
+      </p:cxnSp>
+      <p:cxnSp>
+        <p:nvCxnSpPr>
+          <p:cNvPr id="15" name="Elbow Connector 14">
+            <a:extLst>
+              <a:ext uri="{FF2B5EF4-FFF2-40B4-BE49-F238E27FC236}">
+                <a16:creationId xmlns:a16="http://schemas.microsoft.com/office/drawing/2014/main" id="{CDC7B782-2BF0-D24F-8C25-72353CC491AE}"/>
+              </a:ext>
+            </a:extLst>
+          </p:cNvPr>
+          <p:cNvCxnSpPr>
+            <a:cxnSpLocks/>
+            <a:stCxn id="114" idx="0"/>
+            <a:endCxn id="67" idx="0"/>
+          </p:cNvCxnSpPr>
+          <p:nvPr/>
+        </p:nvCxnSpPr>
+        <p:spPr>
+          <a:xfrm rot="16200000" flipH="1" flipV="1">
+            <a:off x="4972917" y="434586"/>
+            <a:ext cx="149376" cy="2099457"/>
+          </a:xfrm>
+          <a:prstGeom prst="bentConnector3">
+            <a:avLst>
+              <a:gd name="adj1" fmla="val 11771"/>
+            </a:avLst>
+          </a:prstGeom>
+          <a:ln>
+            <a:tailEnd type="arrow"/>
+          </a:ln>
+        </p:spPr>
+        <p:style>
+          <a:lnRef idx="1">
+            <a:schemeClr val="dk1"/>
+          </a:lnRef>
+          <a:fillRef idx="0">
+            <a:schemeClr val="dk1"/>
+          </a:fillRef>
+          <a:effectRef idx="0">
+            <a:schemeClr val="dk1"/>
+          </a:effectRef>
+          <a:fontRef idx="minor">
+            <a:schemeClr val="tx1"/>
+          </a:fontRef>
+        </p:style>
+      </p:cxnSp>
+      <p:cxnSp>
+        <p:nvCxnSpPr>
+          <p:cNvPr id="21" name="Elbow Connector 20">
+            <a:extLst>
+              <a:ext uri="{FF2B5EF4-FFF2-40B4-BE49-F238E27FC236}">
+                <a16:creationId xmlns:a16="http://schemas.microsoft.com/office/drawing/2014/main" id="{53448179-BACB-A441-9FF3-0DF3D9CECFF0}"/>
+              </a:ext>
+            </a:extLst>
+          </p:cNvPr>
+          <p:cNvCxnSpPr>
+            <a:stCxn id="114" idx="0"/>
+            <a:endCxn id="68" idx="0"/>
+          </p:cNvCxnSpPr>
+          <p:nvPr/>
+        </p:nvCxnSpPr>
+        <p:spPr>
+          <a:xfrm rot="16200000" flipH="1">
+            <a:off x="7073972" y="432988"/>
+            <a:ext cx="149376" cy="2102655"/>
+          </a:xfrm>
+          <a:prstGeom prst="bentConnector3">
+            <a:avLst>
+              <a:gd name="adj1" fmla="val 3923"/>
+            </a:avLst>
+          </a:prstGeom>
+          <a:ln>
+            <a:tailEnd type="arrow"/>
+          </a:ln>
+        </p:spPr>
+        <p:style>
+          <a:lnRef idx="1">
+            <a:schemeClr val="dk1"/>
+          </a:lnRef>
+          <a:fillRef idx="0">
+            <a:schemeClr val="dk1"/>
+          </a:fillRef>
+          <a:effectRef idx="0">
+            <a:schemeClr val="dk1"/>
+          </a:effectRef>
+          <a:fontRef idx="minor">
+            <a:schemeClr val="tx1"/>
+          </a:fontRef>
+        </p:style>
+      </p:cxnSp>
+      <p:cxnSp>
+        <p:nvCxnSpPr>
+          <p:cNvPr id="25" name="Elbow Connector 24">
+            <a:extLst>
+              <a:ext uri="{FF2B5EF4-FFF2-40B4-BE49-F238E27FC236}">
+                <a16:creationId xmlns:a16="http://schemas.microsoft.com/office/drawing/2014/main" id="{8749F87E-5950-3D43-90A2-A5EB7611BC1E}"/>
+              </a:ext>
+            </a:extLst>
+          </p:cNvPr>
+          <p:cNvCxnSpPr>
+            <a:cxnSpLocks/>
+          </p:cNvCxnSpPr>
+          <p:nvPr/>
+        </p:nvCxnSpPr>
+        <p:spPr>
+          <a:xfrm rot="5400000" flipH="1" flipV="1">
+            <a:off x="4763449" y="2771480"/>
+            <a:ext cx="437994" cy="1969140"/>
+          </a:xfrm>
+          <a:prstGeom prst="bentConnector2">
+            <a:avLst/>
+          </a:prstGeom>
+          <a:ln>
+            <a:headEnd type="arrow"/>
+            <a:tailEnd type="arrow"/>
+          </a:ln>
+        </p:spPr>
+        <p:style>
+          <a:lnRef idx="1">
+            <a:schemeClr val="dk1"/>
+          </a:lnRef>
+          <a:fillRef idx="0">
+            <a:schemeClr val="dk1"/>
+          </a:fillRef>
+          <a:effectRef idx="0">
+            <a:schemeClr val="dk1"/>
+          </a:effectRef>
+          <a:fontRef idx="minor">
+            <a:schemeClr val="tx1"/>
+          </a:fontRef>
+        </p:style>
+      </p:cxnSp>
+      <p:cxnSp>
+        <p:nvCxnSpPr>
+          <p:cNvPr id="28" name="Elbow Connector 27">
+            <a:extLst>
+              <a:ext uri="{FF2B5EF4-FFF2-40B4-BE49-F238E27FC236}">
+                <a16:creationId xmlns:a16="http://schemas.microsoft.com/office/drawing/2014/main" id="{8F52C2D8-8BCD-9443-8E4A-FA323045C747}"/>
+              </a:ext>
+            </a:extLst>
+          </p:cNvPr>
+          <p:cNvCxnSpPr>
+            <a:cxnSpLocks/>
+          </p:cNvCxnSpPr>
+          <p:nvPr/>
+        </p:nvCxnSpPr>
+        <p:spPr>
+          <a:xfrm rot="16200000" flipV="1">
+            <a:off x="6977789" y="2767478"/>
+            <a:ext cx="446377" cy="1998022"/>
+          </a:xfrm>
+          <a:prstGeom prst="bentConnector2">
+            <a:avLst/>
+          </a:prstGeom>
+          <a:ln>
+            <a:headEnd type="arrow"/>
+            <a:tailEnd type="arrow"/>
+          </a:ln>
+        </p:spPr>
+        <p:style>
+          <a:lnRef idx="1">
+            <a:schemeClr val="dk1"/>
+          </a:lnRef>
+          <a:fillRef idx="0">
+            <a:schemeClr val="dk1"/>
+          </a:fillRef>
+          <a:effectRef idx="0">
+            <a:schemeClr val="dk1"/>
+          </a:effectRef>
+          <a:fontRef idx="minor">
+            <a:schemeClr val="tx1"/>
+          </a:fontRef>
+        </p:style>
+      </p:cxnSp>
+      <p:cxnSp>
+        <p:nvCxnSpPr>
+          <p:cNvPr id="33" name="Elbow Connector 32">
+            <a:extLst>
+              <a:ext uri="{FF2B5EF4-FFF2-40B4-BE49-F238E27FC236}">
+                <a16:creationId xmlns:a16="http://schemas.microsoft.com/office/drawing/2014/main" id="{9CE1DC25-B118-EC42-9520-4A5C23A8D2B6}"/>
+              </a:ext>
+            </a:extLst>
+          </p:cNvPr>
+          <p:cNvCxnSpPr>
+            <a:stCxn id="105" idx="1"/>
+            <a:endCxn id="58" idx="2"/>
+          </p:cNvCxnSpPr>
+          <p:nvPr/>
+        </p:nvCxnSpPr>
+        <p:spPr>
+          <a:xfrm rot="10800000">
+            <a:off x="3996288" y="2950211"/>
+            <a:ext cx="1862276" cy="422700"/>
+          </a:xfrm>
+          <a:prstGeom prst="bentConnector2">
+            <a:avLst/>
+          </a:prstGeom>
+          <a:ln>
+            <a:headEnd type="arrow"/>
+            <a:tailEnd type="arrow"/>
+          </a:ln>
+        </p:spPr>
+        <p:style>
+          <a:lnRef idx="1">
+            <a:schemeClr val="dk1"/>
+          </a:lnRef>
+          <a:fillRef idx="0">
+            <a:schemeClr val="dk1"/>
+          </a:fillRef>
+          <a:effectRef idx="0">
+            <a:schemeClr val="dk1"/>
+          </a:effectRef>
+          <a:fontRef idx="minor">
+            <a:schemeClr val="tx1"/>
+          </a:fontRef>
+        </p:style>
+      </p:cxnSp>
+      <p:sp>
+        <p:nvSpPr>
+          <p:cNvPr id="121" name="Rectangle 120">
+            <a:extLst>
+              <a:ext uri="{FF2B5EF4-FFF2-40B4-BE49-F238E27FC236}">
+                <a16:creationId xmlns:a16="http://schemas.microsoft.com/office/drawing/2014/main" id="{AE843C74-A49F-DD41-9C05-DEA8FA30079C}"/>
+              </a:ext>
+            </a:extLst>
+          </p:cNvPr>
+          <p:cNvSpPr/>
+          <p:nvPr/>
+        </p:nvSpPr>
+        <p:spPr>
+          <a:xfrm>
+            <a:off x="2471341" y="3099958"/>
+            <a:ext cx="7247843" cy="740607"/>
+          </a:xfrm>
+          <a:prstGeom prst="rect">
+            <a:avLst/>
+          </a:prstGeom>
+          <a:solidFill>
+            <a:srgbClr val="007CBC">
+              <a:alpha val="9804"/>
+            </a:srgbClr>
+          </a:solidFill>
+          <a:ln w="12700">
+            <a:noFill/>
+            <a:prstDash val="dash"/>
+          </a:ln>
+        </p:spPr>
+        <p:style>
+          <a:lnRef idx="2">
+            <a:schemeClr val="accent1">
+              <a:shade val="50000"/>
+            </a:schemeClr>
+          </a:lnRef>
+          <a:fillRef idx="1">
+            <a:schemeClr val="accent1"/>
+          </a:fillRef>
+          <a:effectRef idx="0">
+            <a:schemeClr val="accent1"/>
+          </a:effectRef>
+          <a:fontRef idx="minor">
+            <a:schemeClr val="lt1"/>
+          </a:fontRef>
+        </p:style>
+        <p:txBody>
+          <a:bodyPr lIns="502920"/>
+          <a:lstStyle/>
+          <a:p>
+            <a:pPr eaLnBrk="1" fontAlgn="auto" hangingPunct="1">
+              <a:spcBef>
+                <a:spcPts val="0"/>
+              </a:spcBef>
+              <a:spcAft>
+                <a:spcPts val="0"/>
+              </a:spcAft>
+              <a:defRPr/>
+            </a:pPr>
+            <a:r>
+              <a:rPr lang="en-US" sz="1200" dirty="0">
+                <a:solidFill>
+                  <a:srgbClr val="5B9CD5"/>
+                </a:solidFill>
+                <a:latin typeface="Arial" panose="020B0604020202020204" pitchFamily="34" charset="0"/>
+                <a:cs typeface="Arial" panose="020B0604020202020204" pitchFamily="34" charset="0"/>
+              </a:rPr>
+              <a:t>Private subnet</a:t>
+            </a:r>
+          </a:p>
+        </p:txBody>
+      </p:sp>
+      <p:pic>
+        <p:nvPicPr>
+          <p:cNvPr id="122" name="Graphic 121">
+            <a:extLst>
+              <a:ext uri="{FF2B5EF4-FFF2-40B4-BE49-F238E27FC236}">
+                <a16:creationId xmlns:a16="http://schemas.microsoft.com/office/drawing/2014/main" id="{4BA29772-1BDD-B74F-8C50-D94E3EB22127}"/>
+              </a:ext>
+            </a:extLst>
+          </p:cNvPr>
+          <p:cNvPicPr>
+            <a:picLocks noChangeAspect="1"/>
+          </p:cNvPicPr>
+          <p:nvPr/>
+        </p:nvPicPr>
+        <p:blipFill>
+          <a:blip r:embed="rId15">
+            <a:extLst>
+              <a:ext uri="{96DAC541-7B7A-43D3-8B79-37D633B846F1}">
+                <asvg:svgBlip xmlns:asvg="http://schemas.microsoft.com/office/drawing/2016/SVG/main" r:embed="rId16"/>
+              </a:ext>
+            </a:extLst>
+          </a:blip>
+          <a:stretch>
+            <a:fillRect/>
+          </a:stretch>
+        </p:blipFill>
+        <p:spPr>
+          <a:xfrm>
+            <a:off x="2472815" y="3099958"/>
+            <a:ext cx="381000" cy="381000"/>
+          </a:xfrm>
+          <a:prstGeom prst="rect">
+            <a:avLst/>
+          </a:prstGeom>
+        </p:spPr>
+      </p:pic>
+      <p:pic>
+        <p:nvPicPr>
+          <p:cNvPr id="124" name="Graphic 123">
+            <a:extLst>
+              <a:ext uri="{FF2B5EF4-FFF2-40B4-BE49-F238E27FC236}">
+                <a16:creationId xmlns:a16="http://schemas.microsoft.com/office/drawing/2014/main" id="{5BCE50F0-2E6F-9940-AA29-36A4601A7EC3}"/>
+              </a:ext>
+            </a:extLst>
+          </p:cNvPr>
+          <p:cNvPicPr>
+            <a:picLocks noChangeAspect="1"/>
+          </p:cNvPicPr>
+          <p:nvPr/>
+        </p:nvPicPr>
+        <p:blipFill>
+          <a:blip r:embed="rId17">
+            <a:extLst>
+              <a:ext uri="{96DAC541-7B7A-43D3-8B79-37D633B846F1}">
+                <asvg:svgBlip xmlns:asvg="http://schemas.microsoft.com/office/drawing/2016/SVG/main" r:embed="rId18"/>
+              </a:ext>
+            </a:extLst>
+          </a:blip>
+          <a:stretch>
+            <a:fillRect/>
+          </a:stretch>
+        </p:blipFill>
+        <p:spPr>
+          <a:xfrm>
+            <a:off x="2471977" y="1343775"/>
+            <a:ext cx="381000" cy="381000"/>
+          </a:xfrm>
+          <a:prstGeom prst="rect">
+            <a:avLst/>
+          </a:prstGeom>
+        </p:spPr>
+      </p:pic>
+      <p:pic>
+        <p:nvPicPr>
+          <p:cNvPr id="126" name="Graphic 125">
+            <a:extLst>
+              <a:ext uri="{FF2B5EF4-FFF2-40B4-BE49-F238E27FC236}">
+                <a16:creationId xmlns:a16="http://schemas.microsoft.com/office/drawing/2014/main" id="{8B6440A9-4468-DD4B-A283-022A9409DB1E}"/>
+              </a:ext>
+            </a:extLst>
+          </p:cNvPr>
+          <p:cNvPicPr>
+            <a:picLocks noChangeAspect="1"/>
+          </p:cNvPicPr>
+          <p:nvPr/>
+        </p:nvPicPr>
+        <p:blipFill>
+          <a:blip r:embed="rId17">
+            <a:extLst>
+              <a:ext uri="{96DAC541-7B7A-43D3-8B79-37D633B846F1}">
+                <asvg:svgBlip xmlns:asvg="http://schemas.microsoft.com/office/drawing/2016/SVG/main" r:embed="rId18"/>
+              </a:ext>
+            </a:extLst>
+          </a:blip>
+          <a:stretch>
+            <a:fillRect/>
+          </a:stretch>
+        </p:blipFill>
+        <p:spPr>
+          <a:xfrm>
+            <a:off x="2481814" y="3847822"/>
+            <a:ext cx="381000" cy="381000"/>
+          </a:xfrm>
+          <a:prstGeom prst="rect">
+            <a:avLst/>
+          </a:prstGeom>
+        </p:spPr>
+      </p:pic>
+      <p:pic>
+        <p:nvPicPr>
+          <p:cNvPr id="63" name="Graphic 18">
+            <a:extLst>
+              <a:ext uri="{FF2B5EF4-FFF2-40B4-BE49-F238E27FC236}">
+                <a16:creationId xmlns:a16="http://schemas.microsoft.com/office/drawing/2014/main" id="{4FDE6E94-15E0-D146-B304-92307124B62E}"/>
+              </a:ext>
+            </a:extLst>
+          </p:cNvPr>
+          <p:cNvPicPr>
+            <a:picLocks noChangeAspect="1" noChangeArrowheads="1"/>
+          </p:cNvPicPr>
+          <p:nvPr/>
+        </p:nvPicPr>
+        <p:blipFill>
+          <a:blip r:embed="rId19">
+            <a:extLst>
+              <a:ext uri="{28A0092B-C50C-407E-A947-70E740481C1C}">
+                <a14:useLocalDpi xmlns:a14="http://schemas.microsoft.com/office/drawing/2010/main" val="0"/>
+              </a:ext>
+            </a:extLst>
+          </a:blip>
+          <a:srcRect/>
+          <a:stretch>
+            <a:fillRect/>
+          </a:stretch>
+        </p:blipFill>
+        <p:spPr bwMode="auto">
+          <a:xfrm>
+            <a:off x="3044849" y="3840565"/>
+            <a:ext cx="388405" cy="388405"/>
+          </a:xfrm>
+          <a:prstGeom prst="rect">
+            <a:avLst/>
+          </a:prstGeom>
+          <a:noFill/>
+          <a:ln>
+            <a:noFill/>
+          </a:ln>
+          <a:extLst>
+            <a:ext uri="{909E8E84-426E-40DD-AFC4-6F175D3DCCD1}">
+              <a14:hiddenFill xmlns:a14="http://schemas.microsoft.com/office/drawing/2010/main">
+                <a:solidFill>
+                  <a:srgbClr val="FFFFFF"/>
+                </a:solidFill>
+              </a14:hiddenFill>
+            </a:ext>
+            <a:ext uri="{91240B29-F687-4F45-9708-019B960494DF}">
+              <a14:hiddenLine xmlns:a14="http://schemas.microsoft.com/office/drawing/2010/main" w="9525">
+                <a:solidFill>
+                  <a:srgbClr val="000000"/>
+                </a:solidFill>
+                <a:miter lim="800000"/>
+                <a:headEnd/>
+                <a:tailEnd/>
+              </a14:hiddenLine>
+            </a:ext>
+          </a:extLst>
+        </p:spPr>
+      </p:pic>
+      <p:pic>
+        <p:nvPicPr>
+          <p:cNvPr id="64" name="Graphic 34">
+            <a:extLst>
+              <a:ext uri="{FF2B5EF4-FFF2-40B4-BE49-F238E27FC236}">
+                <a16:creationId xmlns:a16="http://schemas.microsoft.com/office/drawing/2014/main" id="{EDC128B2-A47D-2344-BA82-264ACAAE2AEF}"/>
+              </a:ext>
+            </a:extLst>
+          </p:cNvPr>
+          <p:cNvPicPr>
+            <a:picLocks noChangeAspect="1" noChangeArrowheads="1"/>
+          </p:cNvPicPr>
+          <p:nvPr/>
+        </p:nvPicPr>
+        <p:blipFill>
+          <a:blip r:embed="rId20">
+            <a:extLst>
+              <a:ext uri="{28A0092B-C50C-407E-A947-70E740481C1C}">
+                <a14:useLocalDpi xmlns:a14="http://schemas.microsoft.com/office/drawing/2010/main" val="0"/>
+              </a:ext>
+            </a:extLst>
+          </a:blip>
+          <a:srcRect/>
+          <a:stretch>
+            <a:fillRect/>
+          </a:stretch>
+        </p:blipFill>
+        <p:spPr bwMode="auto">
+          <a:xfrm>
+            <a:off x="3812528" y="3995923"/>
+            <a:ext cx="457200" cy="457200"/>
+          </a:xfrm>
+          <a:prstGeom prst="rect">
+            <a:avLst/>
+          </a:prstGeom>
+          <a:noFill/>
+          <a:ln>
+            <a:noFill/>
+          </a:ln>
+          <a:extLst>
+            <a:ext uri="{909E8E84-426E-40DD-AFC4-6F175D3DCCD1}">
+              <a14:hiddenFill xmlns:a14="http://schemas.microsoft.com/office/drawing/2010/main">
+                <a:solidFill>
+                  <a:srgbClr val="FFFFFF"/>
+                </a:solidFill>
+              </a14:hiddenFill>
+            </a:ext>
+            <a:ext uri="{91240B29-F687-4F45-9708-019B960494DF}">
+              <a14:hiddenLine xmlns:a14="http://schemas.microsoft.com/office/drawing/2010/main" w="9525">
+                <a:solidFill>
+                  <a:srgbClr val="000000"/>
+                </a:solidFill>
+                <a:miter lim="800000"/>
+                <a:headEnd/>
+                <a:tailEnd/>
+              </a14:hiddenLine>
+            </a:ext>
+          </a:extLst>
+        </p:spPr>
+      </p:pic>
+      <p:pic>
+        <p:nvPicPr>
+          <p:cNvPr id="65" name="Graphic 34">
+            <a:extLst>
+              <a:ext uri="{FF2B5EF4-FFF2-40B4-BE49-F238E27FC236}">
+                <a16:creationId xmlns:a16="http://schemas.microsoft.com/office/drawing/2014/main" id="{E8067845-0636-E84B-A632-52483B7445A4}"/>
+              </a:ext>
+            </a:extLst>
+          </p:cNvPr>
+          <p:cNvPicPr>
+            <a:picLocks noChangeAspect="1" noChangeArrowheads="1"/>
+          </p:cNvPicPr>
+          <p:nvPr/>
+        </p:nvPicPr>
+        <p:blipFill>
+          <a:blip r:embed="rId20">
+            <a:extLst>
+              <a:ext uri="{28A0092B-C50C-407E-A947-70E740481C1C}">
+                <a14:useLocalDpi xmlns:a14="http://schemas.microsoft.com/office/drawing/2010/main" val="0"/>
+              </a:ext>
+            </a:extLst>
+          </a:blip>
+          <a:srcRect/>
+          <a:stretch>
+            <a:fillRect/>
+          </a:stretch>
+        </p:blipFill>
+        <p:spPr bwMode="auto">
+          <a:xfrm>
+            <a:off x="7971005" y="3995923"/>
+            <a:ext cx="457200" cy="457200"/>
+          </a:xfrm>
+          <a:prstGeom prst="rect">
+            <a:avLst/>
+          </a:prstGeom>
+          <a:noFill/>
+          <a:ln>
+            <a:noFill/>
+          </a:ln>
+          <a:extLst>
+            <a:ext uri="{909E8E84-426E-40DD-AFC4-6F175D3DCCD1}">
+              <a14:hiddenFill xmlns:a14="http://schemas.microsoft.com/office/drawing/2010/main">
+                <a:solidFill>
+                  <a:srgbClr val="FFFFFF"/>
+                </a:solidFill>
+              </a14:hiddenFill>
+            </a:ext>
+            <a:ext uri="{91240B29-F687-4F45-9708-019B960494DF}">
+              <a14:hiddenLine xmlns:a14="http://schemas.microsoft.com/office/drawing/2010/main" w="9525">
+                <a:solidFill>
+                  <a:srgbClr val="000000"/>
+                </a:solidFill>
+                <a:miter lim="800000"/>
+                <a:headEnd/>
+                <a:tailEnd/>
+              </a14:hiddenLine>
+            </a:ext>
+          </a:extLst>
+        </p:spPr>
+      </p:pic>
+      <p:sp>
+        <p:nvSpPr>
+          <p:cNvPr id="78" name="Rectangle 77">
+            <a:extLst>
+              <a:ext uri="{FF2B5EF4-FFF2-40B4-BE49-F238E27FC236}">
+                <a16:creationId xmlns:a16="http://schemas.microsoft.com/office/drawing/2014/main" id="{5ADE8A4A-BF49-3B4E-81B8-C17078BCC0CD}"/>
+              </a:ext>
+            </a:extLst>
+          </p:cNvPr>
+          <p:cNvSpPr/>
+          <p:nvPr/>
+        </p:nvSpPr>
+        <p:spPr>
+          <a:xfrm>
+            <a:off x="3046923" y="2115096"/>
+            <a:ext cx="6107153" cy="890588"/>
+          </a:xfrm>
+          <a:prstGeom prst="rect">
+            <a:avLst/>
+          </a:prstGeom>
+          <a:noFill/>
+          <a:ln w="12700">
+            <a:solidFill>
+              <a:srgbClr val="D86613"/>
+            </a:solidFill>
+            <a:prstDash val="dash"/>
+          </a:ln>
+        </p:spPr>
+        <p:style>
+          <a:lnRef idx="2">
+            <a:schemeClr val="accent1">
+              <a:shade val="50000"/>
+            </a:schemeClr>
+          </a:lnRef>
+          <a:fillRef idx="1">
+            <a:schemeClr val="accent1"/>
+          </a:fillRef>
+          <a:effectRef idx="0">
+            <a:schemeClr val="accent1"/>
+          </a:effectRef>
+          <a:fontRef idx="minor">
+            <a:schemeClr val="lt1"/>
+          </a:fontRef>
+        </p:style>
+        <p:txBody>
+          <a:bodyPr lIns="502920" tIns="91440"/>
+          <a:lstStyle/>
+          <a:p>
+            <a:pPr algn="ctr" eaLnBrk="1" fontAlgn="auto" hangingPunct="1">
+              <a:spcBef>
+                <a:spcPts val="0"/>
+              </a:spcBef>
+              <a:spcAft>
+                <a:spcPts val="0"/>
+              </a:spcAft>
+              <a:defRPr/>
+            </a:pPr>
+            <a:r>
+              <a:rPr lang="en-US" sz="1200" dirty="0">
+                <a:ln w="0"/>
+                <a:solidFill>
+                  <a:srgbClr val="D86613"/>
+                </a:solidFill>
+                <a:latin typeface="Arial" panose="020B0604020202020204" pitchFamily="34" charset="0"/>
+                <a:cs typeface="Arial" panose="020B0604020202020204" pitchFamily="34" charset="0"/>
+              </a:rPr>
+              <a:t>Auto Scaling Group</a:t>
+            </a:r>
+          </a:p>
+        </p:txBody>
+      </p:sp>
+      <p:pic>
+        <p:nvPicPr>
+          <p:cNvPr id="101" name="Graphic 17">
+            <a:extLst>
+              <a:ext uri="{FF2B5EF4-FFF2-40B4-BE49-F238E27FC236}">
+                <a16:creationId xmlns:a16="http://schemas.microsoft.com/office/drawing/2014/main" id="{A54402CE-E9DC-994D-A992-49C91997F720}"/>
+              </a:ext>
+            </a:extLst>
+          </p:cNvPr>
+          <p:cNvPicPr>
+            <a:picLocks noChangeAspect="1" noChangeArrowheads="1"/>
+          </p:cNvPicPr>
+          <p:nvPr/>
+        </p:nvPicPr>
+        <p:blipFill>
+          <a:blip r:embed="rId21">
+            <a:extLst>
+              <a:ext uri="{28A0092B-C50C-407E-A947-70E740481C1C}">
+                <a14:useLocalDpi xmlns:a14="http://schemas.microsoft.com/office/drawing/2010/main" val="0"/>
+              </a:ext>
+            </a:extLst>
+          </a:blip>
+          <a:srcRect/>
+          <a:stretch>
+            <a:fillRect/>
+          </a:stretch>
+        </p:blipFill>
+        <p:spPr bwMode="auto">
+          <a:xfrm>
+            <a:off x="3761338" y="2281583"/>
+            <a:ext cx="469900" cy="469900"/>
+          </a:xfrm>
+          <a:prstGeom prst="rect">
+            <a:avLst/>
+          </a:prstGeom>
+          <a:noFill/>
+          <a:ln>
+            <a:noFill/>
+          </a:ln>
+          <a:extLst>
+            <a:ext uri="{909E8E84-426E-40DD-AFC4-6F175D3DCCD1}">
+              <a14:hiddenFill xmlns:a14="http://schemas.microsoft.com/office/drawing/2010/main">
+                <a:solidFill>
+                  <a:srgbClr val="FFFFFF"/>
+                </a:solidFill>
+              </a14:hiddenFill>
+            </a:ext>
+            <a:ext uri="{91240B29-F687-4F45-9708-019B960494DF}">
+              <a14:hiddenLine xmlns:a14="http://schemas.microsoft.com/office/drawing/2010/main" w="9525">
+                <a:solidFill>
+                  <a:srgbClr val="000000"/>
+                </a:solidFill>
+                <a:miter lim="800000"/>
+                <a:headEnd/>
+                <a:tailEnd/>
+              </a14:hiddenLine>
+            </a:ext>
+          </a:extLst>
+        </p:spPr>
+      </p:pic>
+      <p:pic>
+        <p:nvPicPr>
+          <p:cNvPr id="102" name="Graphic 101">
+            <a:extLst>
+              <a:ext uri="{FF2B5EF4-FFF2-40B4-BE49-F238E27FC236}">
+                <a16:creationId xmlns:a16="http://schemas.microsoft.com/office/drawing/2014/main" id="{89FEE60C-45AD-B54A-9056-9E68E47CE274}"/>
+              </a:ext>
+            </a:extLst>
+          </p:cNvPr>
+          <p:cNvPicPr>
+            <a:picLocks noChangeAspect="1"/>
+          </p:cNvPicPr>
+          <p:nvPr/>
+        </p:nvPicPr>
+        <p:blipFill>
+          <a:blip r:embed="rId22">
+            <a:extLst>
+              <a:ext uri="{96DAC541-7B7A-43D3-8B79-37D633B846F1}">
+                <asvg:svgBlip xmlns:asvg="http://schemas.microsoft.com/office/drawing/2016/SVG/main" r:embed="rId23"/>
+              </a:ext>
+            </a:extLst>
+          </a:blip>
+          <a:stretch>
+            <a:fillRect/>
+          </a:stretch>
+        </p:blipFill>
+        <p:spPr>
+          <a:xfrm>
+            <a:off x="3054139" y="2121640"/>
+            <a:ext cx="381000" cy="381000"/>
+          </a:xfrm>
+          <a:prstGeom prst="rect">
+            <a:avLst/>
+          </a:prstGeom>
+        </p:spPr>
+      </p:pic>
+    </p:spTree>
+    <p:extLst>
+      <p:ext uri="{BB962C8B-B14F-4D97-AF65-F5344CB8AC3E}">
+        <p14:creationId xmlns:p14="http://schemas.microsoft.com/office/powerpoint/2010/main" val="3201957233"/>
+      </p:ext>
+    </p:extLst>
+  </p:cSld>
+  <p:clrMapOvr>
+    <a:masterClrMapping/>
+  </p:clrMapOvr>
+</p:sld>
+</file>
+
+<file path=ppt/slides/slide4.xml><?xml version="1.0" encoding="utf-8"?>
+<p:sld xmlns:a="http://schemas.openxmlformats.org/drawingml/2006/main" xmlns:r="http://schemas.openxmlformats.org/officeDocument/2006/relationships" xmlns:p="http://schemas.openxmlformats.org/presentationml/2006/main">
+  <p:cSld>
+    <p:spTree>
+      <p:nvGrpSpPr>
+        <p:cNvPr id="1" name=""/>
+        <p:cNvGrpSpPr/>
+        <p:nvPr/>
+      </p:nvGrpSpPr>
+      <p:grpSpPr>
+        <a:xfrm>
+          <a:off x="0" y="0"/>
+          <a:ext cx="0" cy="0"/>
+          <a:chOff x="0" y="0"/>
+          <a:chExt cx="0" cy="0"/>
+        </a:xfrm>
+      </p:grpSpPr>
+      <p:sp>
+        <p:nvSpPr>
           <p:cNvPr id="59" name="Rectangle 58">
             <a:extLst>
               <a:ext uri="{FF2B5EF4-FFF2-40B4-BE49-F238E27FC236}">
@@ -14006,7 +17701,7 @@
         </p:blipFill>
         <p:spPr>
           <a:xfrm>
-            <a:off x="540154" y="788779"/>
+            <a:off x="532405" y="788779"/>
             <a:ext cx="381000" cy="381000"/>
           </a:xfrm>
           <a:prstGeom prst="rect">
@@ -16531,7 +20226,7 @@
 </p:sld>
 </file>
 
-<file path=ppt/slides/slide4.xml><?xml version="1.0" encoding="utf-8"?>
+<file path=ppt/slides/slide5.xml><?xml version="1.0" encoding="utf-8"?>
 <p:sld xmlns:a="http://schemas.openxmlformats.org/drawingml/2006/main" xmlns:r="http://schemas.openxmlformats.org/officeDocument/2006/relationships" xmlns:p="http://schemas.openxmlformats.org/presentationml/2006/main">
   <p:cSld>
     <p:spTree>
@@ -19101,7 +22796,7 @@
 </p:sld>
 </file>
 
-<file path=ppt/slides/slide5.xml><?xml version="1.0" encoding="utf-8"?>
+<file path=ppt/slides/slide6.xml><?xml version="1.0" encoding="utf-8"?>
 <p:sld xmlns:a="http://schemas.openxmlformats.org/drawingml/2006/main" xmlns:r="http://schemas.openxmlformats.org/officeDocument/2006/relationships" xmlns:p="http://schemas.openxmlformats.org/presentationml/2006/main">
   <p:cSld>
     <p:spTree>
